--- a/evidence.pptx
+++ b/evidence.pptx
@@ -10,6 +10,14 @@
     <p:sldId id="258" r:id="rId4"/>
     <p:sldId id="259" r:id="rId5"/>
     <p:sldId id="260" r:id="rId6"/>
+    <p:sldId id="261" r:id="rId7"/>
+    <p:sldId id="262" r:id="rId8"/>
+    <p:sldId id="263" r:id="rId9"/>
+    <p:sldId id="264" r:id="rId10"/>
+    <p:sldId id="265" r:id="rId11"/>
+    <p:sldId id="266" r:id="rId12"/>
+    <p:sldId id="267" r:id="rId13"/>
+    <p:sldId id="268" r:id="rId14"/>
   </p:sldIdLst>
   <p:sldSz cx="12192000" cy="6858000"/>
   <p:notesSz cx="6858000" cy="9144000"/>
@@ -108,6 +116,11 @@
       </a:defRPr>
     </a:lvl9pPr>
   </p:defaultTextStyle>
+  <p:extLst>
+    <p:ext uri="{EFAFB233-063F-42B5-8137-9DF3F51BA10A}">
+      <p15:sldGuideLst xmlns:p15="http://schemas.microsoft.com/office/powerpoint/2012/main"/>
+    </p:ext>
+  </p:extLst>
 </p:presentation>
 </file>
 
@@ -3473,6 +3486,358 @@
 </p:sld>
 </file>
 
+<file path=ppt/slides/slide10.xml><?xml version="1.0" encoding="utf-8"?>
+<p:sld xmlns:a="http://schemas.openxmlformats.org/drawingml/2006/main" xmlns:r="http://schemas.openxmlformats.org/officeDocument/2006/relationships" xmlns:p="http://schemas.openxmlformats.org/presentationml/2006/main">
+  <p:cSld>
+    <p:spTree>
+      <p:nvGrpSpPr>
+        <p:cNvPr id="1" name=""/>
+        <p:cNvGrpSpPr/>
+        <p:nvPr/>
+      </p:nvGrpSpPr>
+      <p:grpSpPr>
+        <a:xfrm>
+          <a:off x="0" y="0"/>
+          <a:ext cx="0" cy="0"/>
+          <a:chOff x="0" y="0"/>
+          <a:chExt cx="0" cy="0"/>
+        </a:xfrm>
+      </p:grpSpPr>
+      <p:sp>
+        <p:nvSpPr>
+          <p:cNvPr id="2" name="Title 1">
+            <a:extLst>
+              <a:ext uri="{FF2B5EF4-FFF2-40B4-BE49-F238E27FC236}">
+                <a16:creationId xmlns:a16="http://schemas.microsoft.com/office/drawing/2014/main" id="{854649CD-D051-C581-4849-199C67317ACE}"/>
+              </a:ext>
+            </a:extLst>
+          </p:cNvPr>
+          <p:cNvSpPr>
+            <a:spLocks noGrp="1"/>
+          </p:cNvSpPr>
+          <p:nvPr>
+            <p:ph type="title"/>
+          </p:nvPr>
+        </p:nvSpPr>
+        <p:spPr/>
+        <p:txBody>
+          <a:bodyPr/>
+          <a:lstStyle/>
+          <a:p>
+            <a:r>
+              <a:rPr lang="en-AU" dirty="0"/>
+              <a:t>Test Internet access</a:t>
+            </a:r>
+          </a:p>
+        </p:txBody>
+      </p:sp>
+      <p:pic>
+        <p:nvPicPr>
+          <p:cNvPr id="5" name="Picture 4">
+            <a:extLst>
+              <a:ext uri="{FF2B5EF4-FFF2-40B4-BE49-F238E27FC236}">
+                <a16:creationId xmlns:a16="http://schemas.microsoft.com/office/drawing/2014/main" id="{62975469-256D-1E7D-2ACC-C69AB0753038}"/>
+              </a:ext>
+            </a:extLst>
+          </p:cNvPr>
+          <p:cNvPicPr>
+            <a:picLocks noChangeAspect="1"/>
+          </p:cNvPicPr>
+          <p:nvPr/>
+        </p:nvPicPr>
+        <p:blipFill>
+          <a:blip r:embed="rId2"/>
+          <a:stretch>
+            <a:fillRect/>
+          </a:stretch>
+        </p:blipFill>
+        <p:spPr>
+          <a:xfrm>
+            <a:off x="2807685" y="2834588"/>
+            <a:ext cx="6576630" cy="1188823"/>
+          </a:xfrm>
+          <a:prstGeom prst="rect">
+            <a:avLst/>
+          </a:prstGeom>
+        </p:spPr>
+      </p:pic>
+    </p:spTree>
+    <p:extLst>
+      <p:ext uri="{BB962C8B-B14F-4D97-AF65-F5344CB8AC3E}">
+        <p14:creationId xmlns:p14="http://schemas.microsoft.com/office/powerpoint/2010/main" val="844153684"/>
+      </p:ext>
+    </p:extLst>
+  </p:cSld>
+  <p:clrMapOvr>
+    <a:masterClrMapping/>
+  </p:clrMapOvr>
+</p:sld>
+</file>
+
+<file path=ppt/slides/slide11.xml><?xml version="1.0" encoding="utf-8"?>
+<p:sld xmlns:a="http://schemas.openxmlformats.org/drawingml/2006/main" xmlns:r="http://schemas.openxmlformats.org/officeDocument/2006/relationships" xmlns:p="http://schemas.openxmlformats.org/presentationml/2006/main">
+  <p:cSld>
+    <p:spTree>
+      <p:nvGrpSpPr>
+        <p:cNvPr id="1" name=""/>
+        <p:cNvGrpSpPr/>
+        <p:nvPr/>
+      </p:nvGrpSpPr>
+      <p:grpSpPr>
+        <a:xfrm>
+          <a:off x="0" y="0"/>
+          <a:ext cx="0" cy="0"/>
+          <a:chOff x="0" y="0"/>
+          <a:chExt cx="0" cy="0"/>
+        </a:xfrm>
+      </p:grpSpPr>
+      <p:sp>
+        <p:nvSpPr>
+          <p:cNvPr id="2" name="Title 1">
+            <a:extLst>
+              <a:ext uri="{FF2B5EF4-FFF2-40B4-BE49-F238E27FC236}">
+                <a16:creationId xmlns:a16="http://schemas.microsoft.com/office/drawing/2014/main" id="{0AD2B82A-352B-5AE5-AD61-6925C9A8FED6}"/>
+              </a:ext>
+            </a:extLst>
+          </p:cNvPr>
+          <p:cNvSpPr>
+            <a:spLocks noGrp="1"/>
+          </p:cNvSpPr>
+          <p:nvPr>
+            <p:ph type="title"/>
+          </p:nvPr>
+        </p:nvSpPr>
+        <p:spPr/>
+        <p:txBody>
+          <a:bodyPr/>
+          <a:lstStyle/>
+          <a:p>
+            <a:r>
+              <a:rPr lang="en-AU" dirty="0"/>
+              <a:t>Disable internet</a:t>
+            </a:r>
+          </a:p>
+        </p:txBody>
+      </p:sp>
+      <p:pic>
+        <p:nvPicPr>
+          <p:cNvPr id="5" name="Picture 4">
+            <a:extLst>
+              <a:ext uri="{FF2B5EF4-FFF2-40B4-BE49-F238E27FC236}">
+                <a16:creationId xmlns:a16="http://schemas.microsoft.com/office/drawing/2014/main" id="{C2075CAD-5D37-FD12-1AB7-FFBC206D3CE0}"/>
+              </a:ext>
+            </a:extLst>
+          </p:cNvPr>
+          <p:cNvPicPr>
+            <a:picLocks noChangeAspect="1"/>
+          </p:cNvPicPr>
+          <p:nvPr/>
+        </p:nvPicPr>
+        <p:blipFill>
+          <a:blip r:embed="rId2"/>
+          <a:stretch>
+            <a:fillRect/>
+          </a:stretch>
+        </p:blipFill>
+        <p:spPr>
+          <a:xfrm>
+            <a:off x="3162046" y="3059398"/>
+            <a:ext cx="5867908" cy="739204"/>
+          </a:xfrm>
+          <a:prstGeom prst="rect">
+            <a:avLst/>
+          </a:prstGeom>
+        </p:spPr>
+      </p:pic>
+    </p:spTree>
+    <p:extLst>
+      <p:ext uri="{BB962C8B-B14F-4D97-AF65-F5344CB8AC3E}">
+        <p14:creationId xmlns:p14="http://schemas.microsoft.com/office/powerpoint/2010/main" val="1656207207"/>
+      </p:ext>
+    </p:extLst>
+  </p:cSld>
+  <p:clrMapOvr>
+    <a:masterClrMapping/>
+  </p:clrMapOvr>
+</p:sld>
+</file>
+
+<file path=ppt/slides/slide12.xml><?xml version="1.0" encoding="utf-8"?>
+<p:sld xmlns:a="http://schemas.openxmlformats.org/drawingml/2006/main" xmlns:r="http://schemas.openxmlformats.org/officeDocument/2006/relationships" xmlns:p="http://schemas.openxmlformats.org/presentationml/2006/main">
+  <p:cSld>
+    <p:spTree>
+      <p:nvGrpSpPr>
+        <p:cNvPr id="1" name=""/>
+        <p:cNvGrpSpPr/>
+        <p:nvPr/>
+      </p:nvGrpSpPr>
+      <p:grpSpPr>
+        <a:xfrm>
+          <a:off x="0" y="0"/>
+          <a:ext cx="0" cy="0"/>
+          <a:chOff x="0" y="0"/>
+          <a:chExt cx="0" cy="0"/>
+        </a:xfrm>
+      </p:grpSpPr>
+      <p:sp>
+        <p:nvSpPr>
+          <p:cNvPr id="2" name="Title 1">
+            <a:extLst>
+              <a:ext uri="{FF2B5EF4-FFF2-40B4-BE49-F238E27FC236}">
+                <a16:creationId xmlns:a16="http://schemas.microsoft.com/office/drawing/2014/main" id="{9233FE06-3869-ECEF-0592-5EA389C7E104}"/>
+              </a:ext>
+            </a:extLst>
+          </p:cNvPr>
+          <p:cNvSpPr>
+            <a:spLocks noGrp="1"/>
+          </p:cNvSpPr>
+          <p:nvPr>
+            <p:ph type="title"/>
+          </p:nvPr>
+        </p:nvSpPr>
+        <p:spPr/>
+        <p:txBody>
+          <a:bodyPr/>
+          <a:lstStyle/>
+          <a:p>
+            <a:r>
+              <a:rPr lang="en-AU" dirty="0"/>
+              <a:t>Test internet after internet restrict</a:t>
+            </a:r>
+          </a:p>
+        </p:txBody>
+      </p:sp>
+      <p:pic>
+        <p:nvPicPr>
+          <p:cNvPr id="5" name="Picture 4">
+            <a:extLst>
+              <a:ext uri="{FF2B5EF4-FFF2-40B4-BE49-F238E27FC236}">
+                <a16:creationId xmlns:a16="http://schemas.microsoft.com/office/drawing/2014/main" id="{575D58A0-544B-BE00-D729-C24450B1B9B3}"/>
+              </a:ext>
+            </a:extLst>
+          </p:cNvPr>
+          <p:cNvPicPr>
+            <a:picLocks noChangeAspect="1"/>
+          </p:cNvPicPr>
+          <p:nvPr/>
+        </p:nvPicPr>
+        <p:blipFill>
+          <a:blip r:embed="rId2"/>
+          <a:stretch>
+            <a:fillRect/>
+          </a:stretch>
+        </p:blipFill>
+        <p:spPr>
+          <a:xfrm>
+            <a:off x="3219200" y="2945088"/>
+            <a:ext cx="5753599" cy="967824"/>
+          </a:xfrm>
+          <a:prstGeom prst="rect">
+            <a:avLst/>
+          </a:prstGeom>
+        </p:spPr>
+      </p:pic>
+    </p:spTree>
+    <p:extLst>
+      <p:ext uri="{BB962C8B-B14F-4D97-AF65-F5344CB8AC3E}">
+        <p14:creationId xmlns:p14="http://schemas.microsoft.com/office/powerpoint/2010/main" val="3689019915"/>
+      </p:ext>
+    </p:extLst>
+  </p:cSld>
+  <p:clrMapOvr>
+    <a:masterClrMapping/>
+  </p:clrMapOvr>
+</p:sld>
+</file>
+
+<file path=ppt/slides/slide13.xml><?xml version="1.0" encoding="utf-8"?>
+<p:sld xmlns:a="http://schemas.openxmlformats.org/drawingml/2006/main" xmlns:r="http://schemas.openxmlformats.org/officeDocument/2006/relationships" xmlns:p="http://schemas.openxmlformats.org/presentationml/2006/main">
+  <p:cSld>
+    <p:spTree>
+      <p:nvGrpSpPr>
+        <p:cNvPr id="1" name=""/>
+        <p:cNvGrpSpPr/>
+        <p:nvPr/>
+      </p:nvGrpSpPr>
+      <p:grpSpPr>
+        <a:xfrm>
+          <a:off x="0" y="0"/>
+          <a:ext cx="0" cy="0"/>
+          <a:chOff x="0" y="0"/>
+          <a:chExt cx="0" cy="0"/>
+        </a:xfrm>
+      </p:grpSpPr>
+      <p:sp>
+        <p:nvSpPr>
+          <p:cNvPr id="2" name="Title 1">
+            <a:extLst>
+              <a:ext uri="{FF2B5EF4-FFF2-40B4-BE49-F238E27FC236}">
+                <a16:creationId xmlns:a16="http://schemas.microsoft.com/office/drawing/2014/main" id="{259EB577-570B-E138-37F8-327873902114}"/>
+              </a:ext>
+            </a:extLst>
+          </p:cNvPr>
+          <p:cNvSpPr>
+            <a:spLocks noGrp="1"/>
+          </p:cNvSpPr>
+          <p:nvPr>
+            <p:ph type="title"/>
+          </p:nvPr>
+        </p:nvSpPr>
+        <p:spPr/>
+        <p:txBody>
+          <a:bodyPr/>
+          <a:lstStyle/>
+          <a:p>
+            <a:r>
+              <a:rPr lang="en-AU" dirty="0"/>
+              <a:t>Re-enabling internet</a:t>
+            </a:r>
+          </a:p>
+        </p:txBody>
+      </p:sp>
+      <p:pic>
+        <p:nvPicPr>
+          <p:cNvPr id="5" name="Picture 4">
+            <a:extLst>
+              <a:ext uri="{FF2B5EF4-FFF2-40B4-BE49-F238E27FC236}">
+                <a16:creationId xmlns:a16="http://schemas.microsoft.com/office/drawing/2014/main" id="{B5FE1E4D-4C2E-AD66-8730-250FBCE46635}"/>
+              </a:ext>
+            </a:extLst>
+          </p:cNvPr>
+          <p:cNvPicPr>
+            <a:picLocks noChangeAspect="1"/>
+          </p:cNvPicPr>
+          <p:nvPr/>
+        </p:nvPicPr>
+        <p:blipFill>
+          <a:blip r:embed="rId2"/>
+          <a:stretch>
+            <a:fillRect/>
+          </a:stretch>
+        </p:blipFill>
+        <p:spPr>
+          <a:xfrm>
+            <a:off x="2468565" y="2998432"/>
+            <a:ext cx="7254869" cy="861135"/>
+          </a:xfrm>
+          <a:prstGeom prst="rect">
+            <a:avLst/>
+          </a:prstGeom>
+        </p:spPr>
+      </p:pic>
+    </p:spTree>
+    <p:extLst>
+      <p:ext uri="{BB962C8B-B14F-4D97-AF65-F5344CB8AC3E}">
+        <p14:creationId xmlns:p14="http://schemas.microsoft.com/office/powerpoint/2010/main" val="2330963595"/>
+      </p:ext>
+    </p:extLst>
+  </p:cSld>
+  <p:clrMapOvr>
+    <a:masterClrMapping/>
+  </p:clrMapOvr>
+</p:sld>
+</file>
+
 <file path=ppt/slides/slide2.xml><?xml version="1.0" encoding="utf-8"?>
 <p:sld xmlns:a="http://schemas.openxmlformats.org/drawingml/2006/main" xmlns:r="http://schemas.openxmlformats.org/officeDocument/2006/relationships" xmlns:p="http://schemas.openxmlformats.org/presentationml/2006/main">
   <p:cSld>
@@ -3829,10 +4194,10 @@
       </p:sp>
       <p:pic>
         <p:nvPicPr>
-          <p:cNvPr id="7" name="Picture 6">
-            <a:extLst>
-              <a:ext uri="{FF2B5EF4-FFF2-40B4-BE49-F238E27FC236}">
-                <a16:creationId xmlns:a16="http://schemas.microsoft.com/office/drawing/2014/main" id="{BD696B26-9E5E-929C-0999-AEF8EB1F0D91}"/>
+          <p:cNvPr id="3" name="Picture 2">
+            <a:extLst>
+              <a:ext uri="{FF2B5EF4-FFF2-40B4-BE49-F238E27FC236}">
+                <a16:creationId xmlns:a16="http://schemas.microsoft.com/office/drawing/2014/main" id="{FBCD2085-C470-D29F-7999-BA4D1EDDD786}"/>
               </a:ext>
             </a:extLst>
           </p:cNvPr>
@@ -3849,8 +4214,8 @@
         </p:blipFill>
         <p:spPr>
           <a:xfrm>
-            <a:off x="157153" y="1198483"/>
-            <a:ext cx="10961562" cy="5045800"/>
+            <a:off x="0" y="1070871"/>
+            <a:ext cx="11770468" cy="5711114"/>
           </a:xfrm>
           <a:prstGeom prst="rect">
             <a:avLst/>
@@ -4001,6 +4366,557 @@
     <p:extLst>
       <p:ext uri="{BB962C8B-B14F-4D97-AF65-F5344CB8AC3E}">
         <p14:creationId xmlns:p14="http://schemas.microsoft.com/office/powerpoint/2010/main" val="1397299424"/>
+      </p:ext>
+    </p:extLst>
+  </p:cSld>
+  <p:clrMapOvr>
+    <a:masterClrMapping/>
+  </p:clrMapOvr>
+</p:sld>
+</file>
+
+<file path=ppt/slides/slide6.xml><?xml version="1.0" encoding="utf-8"?>
+<p:sld xmlns:a="http://schemas.openxmlformats.org/drawingml/2006/main" xmlns:r="http://schemas.openxmlformats.org/officeDocument/2006/relationships" xmlns:p="http://schemas.openxmlformats.org/presentationml/2006/main">
+  <p:cSld>
+    <p:spTree>
+      <p:nvGrpSpPr>
+        <p:cNvPr id="1" name=""/>
+        <p:cNvGrpSpPr/>
+        <p:nvPr/>
+      </p:nvGrpSpPr>
+      <p:grpSpPr>
+        <a:xfrm>
+          <a:off x="0" y="0"/>
+          <a:ext cx="0" cy="0"/>
+          <a:chOff x="0" y="0"/>
+          <a:chExt cx="0" cy="0"/>
+        </a:xfrm>
+      </p:grpSpPr>
+      <p:sp>
+        <p:nvSpPr>
+          <p:cNvPr id="5" name="TextBox 4">
+            <a:extLst>
+              <a:ext uri="{FF2B5EF4-FFF2-40B4-BE49-F238E27FC236}">
+                <a16:creationId xmlns:a16="http://schemas.microsoft.com/office/drawing/2014/main" id="{3EA35FED-7CEC-D14E-18B8-E5C2C764D464}"/>
+              </a:ext>
+            </a:extLst>
+          </p:cNvPr>
+          <p:cNvSpPr txBox="1"/>
+          <p:nvPr/>
+        </p:nvSpPr>
+        <p:spPr>
+          <a:xfrm>
+            <a:off x="2981325" y="0"/>
+            <a:ext cx="6096000" cy="923330"/>
+          </a:xfrm>
+          <a:prstGeom prst="rect">
+            <a:avLst/>
+          </a:prstGeom>
+          <a:noFill/>
+        </p:spPr>
+        <p:txBody>
+          <a:bodyPr wrap="square">
+            <a:spAutoFit/>
+          </a:bodyPr>
+          <a:lstStyle/>
+          <a:p>
+            <a:r>
+              <a:rPr lang="en-AU" sz="1800" dirty="0">
+                <a:effectLst/>
+                <a:latin typeface="Calibri" panose="020F0502020204030204" pitchFamily="34" charset="0"/>
+                <a:ea typeface="Calibri" panose="020F0502020204030204" pitchFamily="34" charset="0"/>
+                <a:cs typeface="Times New Roman" panose="02020603050405020304" pitchFamily="18" charset="0"/>
+              </a:rPr>
+              <a:t>Create a function </a:t>
+            </a:r>
+            <a:r>
+              <a:rPr lang="en-AU" sz="1800" dirty="0" err="1">
+                <a:effectLst/>
+                <a:latin typeface="Calibri" panose="020F0502020204030204" pitchFamily="34" charset="0"/>
+                <a:ea typeface="Calibri" panose="020F0502020204030204" pitchFamily="34" charset="0"/>
+                <a:cs typeface="Times New Roman" panose="02020603050405020304" pitchFamily="18" charset="0"/>
+              </a:rPr>
+              <a:t>enableRestrictInternet</a:t>
+            </a:r>
+            <a:r>
+              <a:rPr lang="en-AU" sz="1800" dirty="0">
+                <a:effectLst/>
+                <a:latin typeface="Calibri" panose="020F0502020204030204" pitchFamily="34" charset="0"/>
+                <a:ea typeface="Calibri" panose="020F0502020204030204" pitchFamily="34" charset="0"/>
+                <a:cs typeface="Times New Roman" panose="02020603050405020304" pitchFamily="18" charset="0"/>
+              </a:rPr>
+              <a:t>() that removes Internet access by setting the proxy to a fake, non-existent server “proxy”:</a:t>
+            </a:r>
+            <a:endParaRPr lang="en-AU" dirty="0"/>
+          </a:p>
+        </p:txBody>
+      </p:sp>
+      <p:pic>
+        <p:nvPicPr>
+          <p:cNvPr id="7" name="Picture 6">
+            <a:extLst>
+              <a:ext uri="{FF2B5EF4-FFF2-40B4-BE49-F238E27FC236}">
+                <a16:creationId xmlns:a16="http://schemas.microsoft.com/office/drawing/2014/main" id="{87AA5C06-F4E7-60B6-9505-E97924317A16}"/>
+              </a:ext>
+            </a:extLst>
+          </p:cNvPr>
+          <p:cNvPicPr>
+            <a:picLocks noChangeAspect="1"/>
+          </p:cNvPicPr>
+          <p:nvPr/>
+        </p:nvPicPr>
+        <p:blipFill>
+          <a:blip r:embed="rId2"/>
+          <a:stretch>
+            <a:fillRect/>
+          </a:stretch>
+        </p:blipFill>
+        <p:spPr>
+          <a:xfrm>
+            <a:off x="2472376" y="2545003"/>
+            <a:ext cx="7247248" cy="1767993"/>
+          </a:xfrm>
+          <a:prstGeom prst="rect">
+            <a:avLst/>
+          </a:prstGeom>
+        </p:spPr>
+      </p:pic>
+      <p:sp>
+        <p:nvSpPr>
+          <p:cNvPr id="9" name="TextBox 8">
+            <a:extLst>
+              <a:ext uri="{FF2B5EF4-FFF2-40B4-BE49-F238E27FC236}">
+                <a16:creationId xmlns:a16="http://schemas.microsoft.com/office/drawing/2014/main" id="{FB4A9B52-CD96-6597-2F6A-D8B6A7919E2D}"/>
+              </a:ext>
+            </a:extLst>
+          </p:cNvPr>
+          <p:cNvSpPr txBox="1"/>
+          <p:nvPr/>
+        </p:nvSpPr>
+        <p:spPr>
+          <a:xfrm>
+            <a:off x="3048811" y="1087835"/>
+            <a:ext cx="6094378" cy="646331"/>
+          </a:xfrm>
+          <a:prstGeom prst="rect">
+            <a:avLst/>
+          </a:prstGeom>
+          <a:noFill/>
+        </p:spPr>
+        <p:txBody>
+          <a:bodyPr wrap="square">
+            <a:spAutoFit/>
+          </a:bodyPr>
+          <a:lstStyle/>
+          <a:p>
+            <a:r>
+              <a:rPr lang="en-AU" sz="1800" dirty="0">
+                <a:effectLst/>
+                <a:latin typeface="Calibri" panose="020F0502020204030204" pitchFamily="34" charset="0"/>
+                <a:ea typeface="Calibri" panose="020F0502020204030204" pitchFamily="34" charset="0"/>
+                <a:cs typeface="Times New Roman" panose="02020603050405020304" pitchFamily="18" charset="0"/>
+              </a:rPr>
+              <a:t>Add a </a:t>
+            </a:r>
+            <a:r>
+              <a:rPr lang="en-AU" sz="1800" dirty="0" err="1">
+                <a:effectLst/>
+                <a:latin typeface="Calibri" panose="020F0502020204030204" pitchFamily="34" charset="0"/>
+                <a:ea typeface="Calibri" panose="020F0502020204030204" pitchFamily="34" charset="0"/>
+                <a:cs typeface="Times New Roman" panose="02020603050405020304" pitchFamily="18" charset="0"/>
+              </a:rPr>
+              <a:t>resetRestrictInternet</a:t>
+            </a:r>
+            <a:r>
+              <a:rPr lang="en-AU" sz="1800" dirty="0">
+                <a:effectLst/>
+                <a:latin typeface="Calibri" panose="020F0502020204030204" pitchFamily="34" charset="0"/>
+                <a:ea typeface="Calibri" panose="020F0502020204030204" pitchFamily="34" charset="0"/>
+                <a:cs typeface="Times New Roman" panose="02020603050405020304" pitchFamily="18" charset="0"/>
+              </a:rPr>
+              <a:t>() function to your script that re-enables Internet access by removing the fake proxy</a:t>
+            </a:r>
+            <a:endParaRPr lang="en-AU" dirty="0"/>
+          </a:p>
+        </p:txBody>
+      </p:sp>
+    </p:spTree>
+    <p:extLst>
+      <p:ext uri="{BB962C8B-B14F-4D97-AF65-F5344CB8AC3E}">
+        <p14:creationId xmlns:p14="http://schemas.microsoft.com/office/powerpoint/2010/main" val="2034051165"/>
+      </p:ext>
+    </p:extLst>
+  </p:cSld>
+  <p:clrMapOvr>
+    <a:masterClrMapping/>
+  </p:clrMapOvr>
+</p:sld>
+</file>
+
+<file path=ppt/slides/slide7.xml><?xml version="1.0" encoding="utf-8"?>
+<p:sld xmlns:a="http://schemas.openxmlformats.org/drawingml/2006/main" xmlns:r="http://schemas.openxmlformats.org/officeDocument/2006/relationships" xmlns:p="http://schemas.openxmlformats.org/presentationml/2006/main">
+  <p:cSld>
+    <p:spTree>
+      <p:nvGrpSpPr>
+        <p:cNvPr id="1" name=""/>
+        <p:cNvGrpSpPr/>
+        <p:nvPr/>
+      </p:nvGrpSpPr>
+      <p:grpSpPr>
+        <a:xfrm>
+          <a:off x="0" y="0"/>
+          <a:ext cx="0" cy="0"/>
+          <a:chOff x="0" y="0"/>
+          <a:chExt cx="0" cy="0"/>
+        </a:xfrm>
+      </p:grpSpPr>
+      <p:sp>
+        <p:nvSpPr>
+          <p:cNvPr id="5" name="TextBox 4">
+            <a:extLst>
+              <a:ext uri="{FF2B5EF4-FFF2-40B4-BE49-F238E27FC236}">
+                <a16:creationId xmlns:a16="http://schemas.microsoft.com/office/drawing/2014/main" id="{75FACE5C-E936-E91B-B099-6645552DCC31}"/>
+              </a:ext>
+            </a:extLst>
+          </p:cNvPr>
+          <p:cNvSpPr txBox="1"/>
+          <p:nvPr/>
+        </p:nvSpPr>
+        <p:spPr>
+          <a:xfrm>
+            <a:off x="0" y="197443"/>
+            <a:ext cx="12192000" cy="2165145"/>
+          </a:xfrm>
+          <a:prstGeom prst="rect">
+            <a:avLst/>
+          </a:prstGeom>
+          <a:noFill/>
+        </p:spPr>
+        <p:txBody>
+          <a:bodyPr wrap="square">
+            <a:spAutoFit/>
+          </a:bodyPr>
+          <a:lstStyle/>
+          <a:p>
+            <a:pPr>
+              <a:lnSpc>
+                <a:spcPct val="107000"/>
+              </a:lnSpc>
+              <a:spcAft>
+                <a:spcPts val="800"/>
+              </a:spcAft>
+            </a:pPr>
+            <a:r>
+              <a:rPr lang="en-AU" sz="1800" dirty="0">
+                <a:effectLst/>
+                <a:latin typeface="Calibri" panose="020F0502020204030204" pitchFamily="34" charset="0"/>
+                <a:ea typeface="Calibri" panose="020F0502020204030204" pitchFamily="34" charset="0"/>
+                <a:cs typeface="Times New Roman" panose="02020603050405020304" pitchFamily="18" charset="0"/>
+              </a:rPr>
+              <a:t>Add code to your script that checks the first argument of the command line: If the first argument is </a:t>
+            </a:r>
+            <a:r>
+              <a:rPr lang="en-AU" sz="1800" dirty="0" err="1">
+                <a:effectLst/>
+                <a:latin typeface="Calibri" panose="020F0502020204030204" pitchFamily="34" charset="0"/>
+                <a:ea typeface="Calibri" panose="020F0502020204030204" pitchFamily="34" charset="0"/>
+                <a:cs typeface="Times New Roman" panose="02020603050405020304" pitchFamily="18" charset="0"/>
+              </a:rPr>
+              <a:t>testInternetAccess</a:t>
+            </a:r>
+            <a:r>
+              <a:rPr lang="en-AU" sz="1800" dirty="0">
+                <a:effectLst/>
+                <a:latin typeface="Calibri" panose="020F0502020204030204" pitchFamily="34" charset="0"/>
+                <a:ea typeface="Calibri" panose="020F0502020204030204" pitchFamily="34" charset="0"/>
+                <a:cs typeface="Times New Roman" panose="02020603050405020304" pitchFamily="18" charset="0"/>
+              </a:rPr>
+              <a:t>, call the </a:t>
+            </a:r>
+            <a:r>
+              <a:rPr lang="en-AU" sz="1800" dirty="0" err="1">
+                <a:effectLst/>
+                <a:latin typeface="Calibri" panose="020F0502020204030204" pitchFamily="34" charset="0"/>
+                <a:ea typeface="Calibri" panose="020F0502020204030204" pitchFamily="34" charset="0"/>
+                <a:cs typeface="Times New Roman" panose="02020603050405020304" pitchFamily="18" charset="0"/>
+              </a:rPr>
+              <a:t>testInternetAccess</a:t>
+            </a:r>
+            <a:r>
+              <a:rPr lang="en-AU" sz="1800" dirty="0">
+                <a:effectLst/>
+                <a:latin typeface="Calibri" panose="020F0502020204030204" pitchFamily="34" charset="0"/>
+                <a:ea typeface="Calibri" panose="020F0502020204030204" pitchFamily="34" charset="0"/>
+                <a:cs typeface="Times New Roman" panose="02020603050405020304" pitchFamily="18" charset="0"/>
+              </a:rPr>
+              <a:t>() function. For example, the following command line would call </a:t>
+            </a:r>
+            <a:r>
+              <a:rPr lang="en-AU" sz="1800" dirty="0" err="1">
+                <a:effectLst/>
+                <a:latin typeface="Calibri" panose="020F0502020204030204" pitchFamily="34" charset="0"/>
+                <a:ea typeface="Calibri" panose="020F0502020204030204" pitchFamily="34" charset="0"/>
+                <a:cs typeface="Times New Roman" panose="02020603050405020304" pitchFamily="18" charset="0"/>
+              </a:rPr>
+              <a:t>testInternetAccess</a:t>
+            </a:r>
+            <a:r>
+              <a:rPr lang="en-AU" sz="1800" dirty="0">
+                <a:effectLst/>
+                <a:latin typeface="Calibri" panose="020F0502020204030204" pitchFamily="34" charset="0"/>
+                <a:ea typeface="Calibri" panose="020F0502020204030204" pitchFamily="34" charset="0"/>
+                <a:cs typeface="Times New Roman" panose="02020603050405020304" pitchFamily="18" charset="0"/>
+              </a:rPr>
+              <a:t>(): defend.ps1 </a:t>
+            </a:r>
+            <a:r>
+              <a:rPr lang="en-AU" sz="1800" dirty="0" err="1">
+                <a:effectLst/>
+                <a:latin typeface="Calibri" panose="020F0502020204030204" pitchFamily="34" charset="0"/>
+                <a:ea typeface="Calibri" panose="020F0502020204030204" pitchFamily="34" charset="0"/>
+                <a:cs typeface="Times New Roman" panose="02020603050405020304" pitchFamily="18" charset="0"/>
+              </a:rPr>
+              <a:t>testInternetAccess</a:t>
+            </a:r>
+            <a:endParaRPr lang="en-AU" dirty="0">
+              <a:latin typeface="Calibri" panose="020F0502020204030204" pitchFamily="34" charset="0"/>
+              <a:ea typeface="Calibri" panose="020F0502020204030204" pitchFamily="34" charset="0"/>
+              <a:cs typeface="Times New Roman" panose="02020603050405020304" pitchFamily="18" charset="0"/>
+            </a:endParaRPr>
+          </a:p>
+          <a:p>
+            <a:pPr>
+              <a:lnSpc>
+                <a:spcPct val="107000"/>
+              </a:lnSpc>
+              <a:spcAft>
+                <a:spcPts val="800"/>
+              </a:spcAft>
+            </a:pPr>
+            <a:r>
+              <a:rPr lang="en-AU" sz="1800" dirty="0">
+                <a:effectLst/>
+                <a:latin typeface="Calibri" panose="020F0502020204030204" pitchFamily="34" charset="0"/>
+                <a:ea typeface="Calibri" panose="020F0502020204030204" pitchFamily="34" charset="0"/>
+                <a:cs typeface="Times New Roman" panose="02020603050405020304" pitchFamily="18" charset="0"/>
+              </a:rPr>
+              <a:t>Improve your code to call the other functions in your script based on the command line argument.</a:t>
+            </a:r>
+          </a:p>
+          <a:p>
+            <a:pPr>
+              <a:lnSpc>
+                <a:spcPct val="107000"/>
+              </a:lnSpc>
+              <a:spcAft>
+                <a:spcPts val="800"/>
+              </a:spcAft>
+            </a:pPr>
+            <a:endParaRPr lang="en-AU" dirty="0"/>
+          </a:p>
+          <a:p>
+            <a:pPr>
+              <a:lnSpc>
+                <a:spcPct val="107000"/>
+              </a:lnSpc>
+              <a:spcAft>
+                <a:spcPts val="800"/>
+              </a:spcAft>
+            </a:pPr>
+            <a:endParaRPr lang="en-AU" sz="1800" dirty="0">
+              <a:effectLst/>
+              <a:latin typeface="Calibri" panose="020F0502020204030204" pitchFamily="34" charset="0"/>
+              <a:ea typeface="Calibri" panose="020F0502020204030204" pitchFamily="34" charset="0"/>
+              <a:cs typeface="Times New Roman" panose="02020603050405020304" pitchFamily="18" charset="0"/>
+            </a:endParaRPr>
+          </a:p>
+        </p:txBody>
+      </p:sp>
+      <p:pic>
+        <p:nvPicPr>
+          <p:cNvPr id="9" name="Picture 8">
+            <a:extLst>
+              <a:ext uri="{FF2B5EF4-FFF2-40B4-BE49-F238E27FC236}">
+                <a16:creationId xmlns:a16="http://schemas.microsoft.com/office/drawing/2014/main" id="{71FB5DBF-00FF-D883-B830-8493CCA479B7}"/>
+              </a:ext>
+            </a:extLst>
+          </p:cNvPr>
+          <p:cNvPicPr>
+            <a:picLocks noChangeAspect="1"/>
+          </p:cNvPicPr>
+          <p:nvPr/>
+        </p:nvPicPr>
+        <p:blipFill>
+          <a:blip r:embed="rId2"/>
+          <a:stretch>
+            <a:fillRect/>
+          </a:stretch>
+        </p:blipFill>
+        <p:spPr>
+          <a:xfrm>
+            <a:off x="1119709" y="1504737"/>
+            <a:ext cx="9952582" cy="4915326"/>
+          </a:xfrm>
+          <a:prstGeom prst="rect">
+            <a:avLst/>
+          </a:prstGeom>
+        </p:spPr>
+      </p:pic>
+    </p:spTree>
+    <p:extLst>
+      <p:ext uri="{BB962C8B-B14F-4D97-AF65-F5344CB8AC3E}">
+        <p14:creationId xmlns:p14="http://schemas.microsoft.com/office/powerpoint/2010/main" val="3203085671"/>
+      </p:ext>
+    </p:extLst>
+  </p:cSld>
+  <p:clrMapOvr>
+    <a:masterClrMapping/>
+  </p:clrMapOvr>
+</p:sld>
+</file>
+
+<file path=ppt/slides/slide8.xml><?xml version="1.0" encoding="utf-8"?>
+<p:sld xmlns:a="http://schemas.openxmlformats.org/drawingml/2006/main" xmlns:r="http://schemas.openxmlformats.org/officeDocument/2006/relationships" xmlns:p="http://schemas.openxmlformats.org/presentationml/2006/main">
+  <p:cSld>
+    <p:spTree>
+      <p:nvGrpSpPr>
+        <p:cNvPr id="1" name=""/>
+        <p:cNvGrpSpPr/>
+        <p:nvPr/>
+      </p:nvGrpSpPr>
+      <p:grpSpPr>
+        <a:xfrm>
+          <a:off x="0" y="0"/>
+          <a:ext cx="0" cy="0"/>
+          <a:chOff x="0" y="0"/>
+          <a:chExt cx="0" cy="0"/>
+        </a:xfrm>
+      </p:grpSpPr>
+      <p:sp>
+        <p:nvSpPr>
+          <p:cNvPr id="2" name="Title 1">
+            <a:extLst>
+              <a:ext uri="{FF2B5EF4-FFF2-40B4-BE49-F238E27FC236}">
+                <a16:creationId xmlns:a16="http://schemas.microsoft.com/office/drawing/2014/main" id="{2B04BAA7-8EB6-3ABD-88F4-53094B7E029B}"/>
+              </a:ext>
+            </a:extLst>
+          </p:cNvPr>
+          <p:cNvSpPr>
+            <a:spLocks noGrp="1"/>
+          </p:cNvSpPr>
+          <p:nvPr>
+            <p:ph type="title"/>
+          </p:nvPr>
+        </p:nvSpPr>
+        <p:spPr/>
+        <p:txBody>
+          <a:bodyPr/>
+          <a:lstStyle/>
+          <a:p>
+            <a:r>
+              <a:rPr lang="en-AU" dirty="0"/>
+              <a:t>Testing</a:t>
+            </a:r>
+          </a:p>
+        </p:txBody>
+      </p:sp>
+    </p:spTree>
+    <p:extLst>
+      <p:ext uri="{BB962C8B-B14F-4D97-AF65-F5344CB8AC3E}">
+        <p14:creationId xmlns:p14="http://schemas.microsoft.com/office/powerpoint/2010/main" val="2189636707"/>
+      </p:ext>
+    </p:extLst>
+  </p:cSld>
+  <p:clrMapOvr>
+    <a:masterClrMapping/>
+  </p:clrMapOvr>
+</p:sld>
+</file>
+
+<file path=ppt/slides/slide9.xml><?xml version="1.0" encoding="utf-8"?>
+<p:sld xmlns:a="http://schemas.openxmlformats.org/drawingml/2006/main" xmlns:r="http://schemas.openxmlformats.org/officeDocument/2006/relationships" xmlns:p="http://schemas.openxmlformats.org/presentationml/2006/main">
+  <p:cSld>
+    <p:spTree>
+      <p:nvGrpSpPr>
+        <p:cNvPr id="1" name=""/>
+        <p:cNvGrpSpPr/>
+        <p:nvPr/>
+      </p:nvGrpSpPr>
+      <p:grpSpPr>
+        <a:xfrm>
+          <a:off x="0" y="0"/>
+          <a:ext cx="0" cy="0"/>
+          <a:chOff x="0" y="0"/>
+          <a:chExt cx="0" cy="0"/>
+        </a:xfrm>
+      </p:grpSpPr>
+      <p:sp>
+        <p:nvSpPr>
+          <p:cNvPr id="3" name="Content Placeholder 2">
+            <a:extLst>
+              <a:ext uri="{FF2B5EF4-FFF2-40B4-BE49-F238E27FC236}">
+                <a16:creationId xmlns:a16="http://schemas.microsoft.com/office/drawing/2014/main" id="{FD0343EA-14CE-CC21-D313-76F53F728BF3}"/>
+              </a:ext>
+            </a:extLst>
+          </p:cNvPr>
+          <p:cNvSpPr>
+            <a:spLocks noGrp="1"/>
+          </p:cNvSpPr>
+          <p:nvPr>
+            <p:ph idx="1"/>
+          </p:nvPr>
+        </p:nvSpPr>
+        <p:spPr>
+          <a:xfrm>
+            <a:off x="638175" y="0"/>
+            <a:ext cx="10515600" cy="4351338"/>
+          </a:xfrm>
+        </p:spPr>
+        <p:txBody>
+          <a:bodyPr/>
+          <a:lstStyle/>
+          <a:p>
+            <a:r>
+              <a:rPr lang="en-AU" dirty="0"/>
+              <a:t>No valid command line option given</a:t>
+            </a:r>
+          </a:p>
+        </p:txBody>
+      </p:sp>
+      <p:pic>
+        <p:nvPicPr>
+          <p:cNvPr id="5" name="Picture 4">
+            <a:extLst>
+              <a:ext uri="{FF2B5EF4-FFF2-40B4-BE49-F238E27FC236}">
+                <a16:creationId xmlns:a16="http://schemas.microsoft.com/office/drawing/2014/main" id="{FC5792D0-BBD4-B938-FDF4-6C16E03DDC91}"/>
+              </a:ext>
+            </a:extLst>
+          </p:cNvPr>
+          <p:cNvPicPr>
+            <a:picLocks noChangeAspect="1"/>
+          </p:cNvPicPr>
+          <p:nvPr/>
+        </p:nvPicPr>
+        <p:blipFill>
+          <a:blip r:embed="rId2"/>
+          <a:stretch>
+            <a:fillRect/>
+          </a:stretch>
+        </p:blipFill>
+        <p:spPr>
+          <a:xfrm>
+            <a:off x="0" y="2223294"/>
+            <a:ext cx="12192000" cy="1071353"/>
+          </a:xfrm>
+          <a:prstGeom prst="rect">
+            <a:avLst/>
+          </a:prstGeom>
+        </p:spPr>
+      </p:pic>
+    </p:spTree>
+    <p:extLst>
+      <p:ext uri="{BB962C8B-B14F-4D97-AF65-F5344CB8AC3E}">
+        <p14:creationId xmlns:p14="http://schemas.microsoft.com/office/powerpoint/2010/main" val="3636675518"/>
       </p:ext>
     </p:extLst>
   </p:cSld>

--- a/evidence.pptx
+++ b/evidence.pptx
@@ -18,6 +18,7 @@
     <p:sldId id="266" r:id="rId12"/>
     <p:sldId id="267" r:id="rId13"/>
     <p:sldId id="268" r:id="rId14"/>
+    <p:sldId id="269" r:id="rId15"/>
   </p:sldIdLst>
   <p:sldSz cx="12192000" cy="6858000"/>
   <p:notesSz cx="6858000" cy="9144000"/>
@@ -3829,6 +3830,183 @@
     <p:extLst>
       <p:ext uri="{BB962C8B-B14F-4D97-AF65-F5344CB8AC3E}">
         <p14:creationId xmlns:p14="http://schemas.microsoft.com/office/powerpoint/2010/main" val="2330963595"/>
+      </p:ext>
+    </p:extLst>
+  </p:cSld>
+  <p:clrMapOvr>
+    <a:masterClrMapping/>
+  </p:clrMapOvr>
+</p:sld>
+</file>
+
+<file path=ppt/slides/slide14.xml><?xml version="1.0" encoding="utf-8"?>
+<p:sld xmlns:a="http://schemas.openxmlformats.org/drawingml/2006/main" xmlns:r="http://schemas.openxmlformats.org/officeDocument/2006/relationships" xmlns:p="http://schemas.openxmlformats.org/presentationml/2006/main">
+  <p:cSld>
+    <p:spTree>
+      <p:nvGrpSpPr>
+        <p:cNvPr id="1" name=""/>
+        <p:cNvGrpSpPr/>
+        <p:nvPr/>
+      </p:nvGrpSpPr>
+      <p:grpSpPr>
+        <a:xfrm>
+          <a:off x="0" y="0"/>
+          <a:ext cx="0" cy="0"/>
+          <a:chOff x="0" y="0"/>
+          <a:chExt cx="0" cy="0"/>
+        </a:xfrm>
+      </p:grpSpPr>
+      <p:sp>
+        <p:nvSpPr>
+          <p:cNvPr id="2" name="Title 1">
+            <a:extLst>
+              <a:ext uri="{FF2B5EF4-FFF2-40B4-BE49-F238E27FC236}">
+                <a16:creationId xmlns:a16="http://schemas.microsoft.com/office/drawing/2014/main" id="{6EBA6D83-D5E6-0779-106A-C328C7C6CC86}"/>
+              </a:ext>
+            </a:extLst>
+          </p:cNvPr>
+          <p:cNvSpPr>
+            <a:spLocks noGrp="1"/>
+          </p:cNvSpPr>
+          <p:nvPr>
+            <p:ph type="title"/>
+          </p:nvPr>
+        </p:nvSpPr>
+        <p:spPr/>
+        <p:txBody>
+          <a:bodyPr/>
+          <a:lstStyle/>
+          <a:p>
+            <a:r>
+              <a:rPr lang="en-AU" dirty="0"/>
+              <a:t>Issues/Bugs encountered</a:t>
+            </a:r>
+          </a:p>
+        </p:txBody>
+      </p:sp>
+      <p:sp>
+        <p:nvSpPr>
+          <p:cNvPr id="3" name="Content Placeholder 2">
+            <a:extLst>
+              <a:ext uri="{FF2B5EF4-FFF2-40B4-BE49-F238E27FC236}">
+                <a16:creationId xmlns:a16="http://schemas.microsoft.com/office/drawing/2014/main" id="{081AC478-9A71-46FB-BF17-6AFFE3D3F7B7}"/>
+              </a:ext>
+            </a:extLst>
+          </p:cNvPr>
+          <p:cNvSpPr>
+            <a:spLocks noGrp="1"/>
+          </p:cNvSpPr>
+          <p:nvPr>
+            <p:ph idx="1"/>
+          </p:nvPr>
+        </p:nvSpPr>
+        <p:spPr/>
+        <p:txBody>
+          <a:bodyPr>
+            <a:normAutofit fontScale="62500" lnSpcReduction="20000"/>
+          </a:bodyPr>
+          <a:lstStyle/>
+          <a:p>
+            <a:r>
+              <a:rPr lang="en-US" dirty="0"/>
+              <a:t>turns out </a:t>
+            </a:r>
+            <a:r>
+              <a:rPr lang="en-US" dirty="0" err="1"/>
+              <a:t>powershell</a:t>
+            </a:r>
+            <a:r>
+              <a:rPr lang="en-US" dirty="0"/>
+              <a:t> has some really “interesting” behavior and any text you echo in a function will be added to the start of the return data from function. This means you cant put debugging </a:t>
+            </a:r>
+            <a:r>
+              <a:rPr lang="en-US" dirty="0" err="1"/>
+              <a:t>echos</a:t>
+            </a:r>
+            <a:r>
+              <a:rPr lang="en-US" dirty="0"/>
+              <a:t> in functions that return data otherwise your comparisons to those functions returned data will </a:t>
+            </a:r>
+            <a:r>
+              <a:rPr lang="en-US"/>
+              <a:t>be wrong.</a:t>
+            </a:r>
+            <a:endParaRPr lang="en-US" dirty="0"/>
+          </a:p>
+          <a:p>
+            <a:endParaRPr lang="en-US" dirty="0"/>
+          </a:p>
+          <a:p>
+            <a:pPr marL="0" indent="0">
+              <a:buNone/>
+            </a:pPr>
+            <a:r>
+              <a:rPr lang="en-US" dirty="0"/>
+              <a:t>I do not understand how any programmer making a function like the one below where it clearly is returning a Boolean value if something is true wants and echo or Write-Output to be appended to the return data.</a:t>
+            </a:r>
+          </a:p>
+          <a:p>
+            <a:endParaRPr lang="en-US" dirty="0"/>
+          </a:p>
+          <a:p>
+            <a:r>
+              <a:rPr lang="en-US" dirty="0"/>
+              <a:t>Function test()</a:t>
+            </a:r>
+          </a:p>
+          <a:p>
+            <a:r>
+              <a:rPr lang="en-US" dirty="0"/>
+              <a:t>{</a:t>
+            </a:r>
+          </a:p>
+          <a:p>
+            <a:r>
+              <a:rPr lang="en-US" dirty="0"/>
+              <a:t>echo "checking if internet has exploded"</a:t>
+            </a:r>
+          </a:p>
+          <a:p>
+            <a:r>
+              <a:rPr lang="en-US" dirty="0"/>
+              <a:t>return $true</a:t>
+            </a:r>
+          </a:p>
+          <a:p>
+            <a:r>
+              <a:rPr lang="en-US" dirty="0"/>
+              <a:t>}</a:t>
+            </a:r>
+          </a:p>
+          <a:p>
+            <a:r>
+              <a:rPr lang="en-US" dirty="0"/>
+              <a:t>This function will return "checking if internet has exploded true" rather than returning just true therefore making any </a:t>
+            </a:r>
+            <a:r>
+              <a:rPr lang="en-US" dirty="0" err="1"/>
+              <a:t>boolean</a:t>
+            </a:r>
+            <a:r>
+              <a:rPr lang="en-US" dirty="0"/>
+              <a:t> checks come back as true. Example if(test) which should check if the function is true or false will return true no matter what, even that </a:t>
+            </a:r>
+            <a:r>
+              <a:rPr lang="en-US" dirty="0" err="1"/>
+              <a:t>doesnt</a:t>
+            </a:r>
+            <a:r>
+              <a:rPr lang="en-US" dirty="0"/>
+              <a:t> make sense how does a function returning a bunch of text equal $true it does not equal $true.</a:t>
+            </a:r>
+            <a:endParaRPr lang="en-AU" dirty="0"/>
+          </a:p>
+        </p:txBody>
+      </p:sp>
+    </p:spTree>
+    <p:extLst>
+      <p:ext uri="{BB962C8B-B14F-4D97-AF65-F5344CB8AC3E}">
+        <p14:creationId xmlns:p14="http://schemas.microsoft.com/office/powerpoint/2010/main" val="3313838117"/>
       </p:ext>
     </p:extLst>
   </p:cSld>

--- a/evidence.pptx
+++ b/evidence.pptx
@@ -5,20 +5,21 @@
     <p:sldMasterId id="2147483648" r:id="rId1"/>
   </p:sldMasterIdLst>
   <p:sldIdLst>
-    <p:sldId id="256" r:id="rId2"/>
-    <p:sldId id="257" r:id="rId3"/>
-    <p:sldId id="258" r:id="rId4"/>
-    <p:sldId id="259" r:id="rId5"/>
-    <p:sldId id="260" r:id="rId6"/>
-    <p:sldId id="261" r:id="rId7"/>
-    <p:sldId id="262" r:id="rId8"/>
-    <p:sldId id="263" r:id="rId9"/>
-    <p:sldId id="264" r:id="rId10"/>
-    <p:sldId id="265" r:id="rId11"/>
-    <p:sldId id="266" r:id="rId12"/>
-    <p:sldId id="267" r:id="rId13"/>
-    <p:sldId id="268" r:id="rId14"/>
-    <p:sldId id="269" r:id="rId15"/>
+    <p:sldId id="270" r:id="rId2"/>
+    <p:sldId id="256" r:id="rId3"/>
+    <p:sldId id="257" r:id="rId4"/>
+    <p:sldId id="258" r:id="rId5"/>
+    <p:sldId id="259" r:id="rId6"/>
+    <p:sldId id="260" r:id="rId7"/>
+    <p:sldId id="261" r:id="rId8"/>
+    <p:sldId id="262" r:id="rId9"/>
+    <p:sldId id="263" r:id="rId10"/>
+    <p:sldId id="264" r:id="rId11"/>
+    <p:sldId id="265" r:id="rId12"/>
+    <p:sldId id="266" r:id="rId13"/>
+    <p:sldId id="267" r:id="rId14"/>
+    <p:sldId id="268" r:id="rId15"/>
+    <p:sldId id="269" r:id="rId16"/>
   </p:sldIdLst>
   <p:sldSz cx="12192000" cy="6858000"/>
   <p:notesSz cx="6858000" cy="9144000"/>
@@ -3362,6 +3363,735 @@
       </p:grpSpPr>
       <p:sp>
         <p:nvSpPr>
+          <p:cNvPr id="2" name="Title 1">
+            <a:extLst>
+              <a:ext uri="{FF2B5EF4-FFF2-40B4-BE49-F238E27FC236}">
+                <a16:creationId xmlns:a16="http://schemas.microsoft.com/office/drawing/2014/main" id="{5C0FC0D5-A6F5-3593-2DD8-1050A3391778}"/>
+              </a:ext>
+            </a:extLst>
+          </p:cNvPr>
+          <p:cNvSpPr>
+            <a:spLocks noGrp="1"/>
+          </p:cNvSpPr>
+          <p:nvPr>
+            <p:ph type="title"/>
+          </p:nvPr>
+        </p:nvSpPr>
+        <p:spPr/>
+        <p:txBody>
+          <a:bodyPr/>
+          <a:lstStyle/>
+          <a:p>
+            <a:r>
+              <a:rPr lang="en-AU" dirty="0"/>
+              <a:t>Peer Programming</a:t>
+            </a:r>
+          </a:p>
+        </p:txBody>
+      </p:sp>
+      <p:sp>
+        <p:nvSpPr>
+          <p:cNvPr id="3" name="Content Placeholder 2">
+            <a:extLst>
+              <a:ext uri="{FF2B5EF4-FFF2-40B4-BE49-F238E27FC236}">
+                <a16:creationId xmlns:a16="http://schemas.microsoft.com/office/drawing/2014/main" id="{3B70B3F4-ED06-9E25-481F-AA82EF8B584E}"/>
+              </a:ext>
+            </a:extLst>
+          </p:cNvPr>
+          <p:cNvSpPr>
+            <a:spLocks noGrp="1"/>
+          </p:cNvSpPr>
+          <p:nvPr>
+            <p:ph idx="1"/>
+          </p:nvPr>
+        </p:nvSpPr>
+        <p:spPr/>
+        <p:txBody>
+          <a:bodyPr/>
+          <a:lstStyle/>
+          <a:p>
+            <a:r>
+              <a:rPr lang="en-AU" dirty="0" err="1"/>
+              <a:t>Github</a:t>
+            </a:r>
+            <a:r>
+              <a:rPr lang="en-AU" dirty="0"/>
+              <a:t> Link </a:t>
+            </a:r>
+            <a:r>
+              <a:rPr lang="en-AU" dirty="0">
+                <a:hlinkClick r:id="rId2"/>
+              </a:rPr>
+              <a:t>https://github.com/CHROME-PLATED-METRO-WOLF/Coit11241-peer-programming</a:t>
+            </a:r>
+            <a:endParaRPr lang="en-AU" dirty="0"/>
+          </a:p>
+          <a:p>
+            <a:r>
+              <a:rPr lang="en-AU" dirty="0"/>
+              <a:t>Partnered with Callan (received no communication </a:t>
+            </a:r>
+            <a:r>
+              <a:rPr lang="en-AU"/>
+              <a:t>from him)</a:t>
+            </a:r>
+          </a:p>
+        </p:txBody>
+      </p:sp>
+    </p:spTree>
+    <p:extLst>
+      <p:ext uri="{BB962C8B-B14F-4D97-AF65-F5344CB8AC3E}">
+        <p14:creationId xmlns:p14="http://schemas.microsoft.com/office/powerpoint/2010/main" val="2877613765"/>
+      </p:ext>
+    </p:extLst>
+  </p:cSld>
+  <p:clrMapOvr>
+    <a:masterClrMapping/>
+  </p:clrMapOvr>
+</p:sld>
+</file>
+
+<file path=ppt/slides/slide10.xml><?xml version="1.0" encoding="utf-8"?>
+<p:sld xmlns:a="http://schemas.openxmlformats.org/drawingml/2006/main" xmlns:r="http://schemas.openxmlformats.org/officeDocument/2006/relationships" xmlns:p="http://schemas.openxmlformats.org/presentationml/2006/main">
+  <p:cSld>
+    <p:spTree>
+      <p:nvGrpSpPr>
+        <p:cNvPr id="1" name=""/>
+        <p:cNvGrpSpPr/>
+        <p:nvPr/>
+      </p:nvGrpSpPr>
+      <p:grpSpPr>
+        <a:xfrm>
+          <a:off x="0" y="0"/>
+          <a:ext cx="0" cy="0"/>
+          <a:chOff x="0" y="0"/>
+          <a:chExt cx="0" cy="0"/>
+        </a:xfrm>
+      </p:grpSpPr>
+      <p:sp>
+        <p:nvSpPr>
+          <p:cNvPr id="3" name="Content Placeholder 2">
+            <a:extLst>
+              <a:ext uri="{FF2B5EF4-FFF2-40B4-BE49-F238E27FC236}">
+                <a16:creationId xmlns:a16="http://schemas.microsoft.com/office/drawing/2014/main" id="{FD0343EA-14CE-CC21-D313-76F53F728BF3}"/>
+              </a:ext>
+            </a:extLst>
+          </p:cNvPr>
+          <p:cNvSpPr>
+            <a:spLocks noGrp="1"/>
+          </p:cNvSpPr>
+          <p:nvPr>
+            <p:ph idx="1"/>
+          </p:nvPr>
+        </p:nvSpPr>
+        <p:spPr>
+          <a:xfrm>
+            <a:off x="638175" y="0"/>
+            <a:ext cx="10515600" cy="4351338"/>
+          </a:xfrm>
+        </p:spPr>
+        <p:txBody>
+          <a:bodyPr/>
+          <a:lstStyle/>
+          <a:p>
+            <a:r>
+              <a:rPr lang="en-AU" dirty="0"/>
+              <a:t>No valid command line option given</a:t>
+            </a:r>
+          </a:p>
+        </p:txBody>
+      </p:sp>
+      <p:pic>
+        <p:nvPicPr>
+          <p:cNvPr id="5" name="Picture 4">
+            <a:extLst>
+              <a:ext uri="{FF2B5EF4-FFF2-40B4-BE49-F238E27FC236}">
+                <a16:creationId xmlns:a16="http://schemas.microsoft.com/office/drawing/2014/main" id="{FC5792D0-BBD4-B938-FDF4-6C16E03DDC91}"/>
+              </a:ext>
+            </a:extLst>
+          </p:cNvPr>
+          <p:cNvPicPr>
+            <a:picLocks noChangeAspect="1"/>
+          </p:cNvPicPr>
+          <p:nvPr/>
+        </p:nvPicPr>
+        <p:blipFill>
+          <a:blip r:embed="rId2"/>
+          <a:stretch>
+            <a:fillRect/>
+          </a:stretch>
+        </p:blipFill>
+        <p:spPr>
+          <a:xfrm>
+            <a:off x="0" y="2223294"/>
+            <a:ext cx="12192000" cy="1071353"/>
+          </a:xfrm>
+          <a:prstGeom prst="rect">
+            <a:avLst/>
+          </a:prstGeom>
+        </p:spPr>
+      </p:pic>
+    </p:spTree>
+    <p:extLst>
+      <p:ext uri="{BB962C8B-B14F-4D97-AF65-F5344CB8AC3E}">
+        <p14:creationId xmlns:p14="http://schemas.microsoft.com/office/powerpoint/2010/main" val="3636675518"/>
+      </p:ext>
+    </p:extLst>
+  </p:cSld>
+  <p:clrMapOvr>
+    <a:masterClrMapping/>
+  </p:clrMapOvr>
+</p:sld>
+</file>
+
+<file path=ppt/slides/slide11.xml><?xml version="1.0" encoding="utf-8"?>
+<p:sld xmlns:a="http://schemas.openxmlformats.org/drawingml/2006/main" xmlns:r="http://schemas.openxmlformats.org/officeDocument/2006/relationships" xmlns:p="http://schemas.openxmlformats.org/presentationml/2006/main">
+  <p:cSld>
+    <p:spTree>
+      <p:nvGrpSpPr>
+        <p:cNvPr id="1" name=""/>
+        <p:cNvGrpSpPr/>
+        <p:nvPr/>
+      </p:nvGrpSpPr>
+      <p:grpSpPr>
+        <a:xfrm>
+          <a:off x="0" y="0"/>
+          <a:ext cx="0" cy="0"/>
+          <a:chOff x="0" y="0"/>
+          <a:chExt cx="0" cy="0"/>
+        </a:xfrm>
+      </p:grpSpPr>
+      <p:sp>
+        <p:nvSpPr>
+          <p:cNvPr id="2" name="Title 1">
+            <a:extLst>
+              <a:ext uri="{FF2B5EF4-FFF2-40B4-BE49-F238E27FC236}">
+                <a16:creationId xmlns:a16="http://schemas.microsoft.com/office/drawing/2014/main" id="{854649CD-D051-C581-4849-199C67317ACE}"/>
+              </a:ext>
+            </a:extLst>
+          </p:cNvPr>
+          <p:cNvSpPr>
+            <a:spLocks noGrp="1"/>
+          </p:cNvSpPr>
+          <p:nvPr>
+            <p:ph type="title"/>
+          </p:nvPr>
+        </p:nvSpPr>
+        <p:spPr/>
+        <p:txBody>
+          <a:bodyPr/>
+          <a:lstStyle/>
+          <a:p>
+            <a:r>
+              <a:rPr lang="en-AU" dirty="0"/>
+              <a:t>Test Internet access</a:t>
+            </a:r>
+          </a:p>
+        </p:txBody>
+      </p:sp>
+      <p:pic>
+        <p:nvPicPr>
+          <p:cNvPr id="5" name="Picture 4">
+            <a:extLst>
+              <a:ext uri="{FF2B5EF4-FFF2-40B4-BE49-F238E27FC236}">
+                <a16:creationId xmlns:a16="http://schemas.microsoft.com/office/drawing/2014/main" id="{62975469-256D-1E7D-2ACC-C69AB0753038}"/>
+              </a:ext>
+            </a:extLst>
+          </p:cNvPr>
+          <p:cNvPicPr>
+            <a:picLocks noChangeAspect="1"/>
+          </p:cNvPicPr>
+          <p:nvPr/>
+        </p:nvPicPr>
+        <p:blipFill>
+          <a:blip r:embed="rId2"/>
+          <a:stretch>
+            <a:fillRect/>
+          </a:stretch>
+        </p:blipFill>
+        <p:spPr>
+          <a:xfrm>
+            <a:off x="2807685" y="2834588"/>
+            <a:ext cx="6576630" cy="1188823"/>
+          </a:xfrm>
+          <a:prstGeom prst="rect">
+            <a:avLst/>
+          </a:prstGeom>
+        </p:spPr>
+      </p:pic>
+    </p:spTree>
+    <p:extLst>
+      <p:ext uri="{BB962C8B-B14F-4D97-AF65-F5344CB8AC3E}">
+        <p14:creationId xmlns:p14="http://schemas.microsoft.com/office/powerpoint/2010/main" val="844153684"/>
+      </p:ext>
+    </p:extLst>
+  </p:cSld>
+  <p:clrMapOvr>
+    <a:masterClrMapping/>
+  </p:clrMapOvr>
+</p:sld>
+</file>
+
+<file path=ppt/slides/slide12.xml><?xml version="1.0" encoding="utf-8"?>
+<p:sld xmlns:a="http://schemas.openxmlformats.org/drawingml/2006/main" xmlns:r="http://schemas.openxmlformats.org/officeDocument/2006/relationships" xmlns:p="http://schemas.openxmlformats.org/presentationml/2006/main">
+  <p:cSld>
+    <p:spTree>
+      <p:nvGrpSpPr>
+        <p:cNvPr id="1" name=""/>
+        <p:cNvGrpSpPr/>
+        <p:nvPr/>
+      </p:nvGrpSpPr>
+      <p:grpSpPr>
+        <a:xfrm>
+          <a:off x="0" y="0"/>
+          <a:ext cx="0" cy="0"/>
+          <a:chOff x="0" y="0"/>
+          <a:chExt cx="0" cy="0"/>
+        </a:xfrm>
+      </p:grpSpPr>
+      <p:sp>
+        <p:nvSpPr>
+          <p:cNvPr id="2" name="Title 1">
+            <a:extLst>
+              <a:ext uri="{FF2B5EF4-FFF2-40B4-BE49-F238E27FC236}">
+                <a16:creationId xmlns:a16="http://schemas.microsoft.com/office/drawing/2014/main" id="{0AD2B82A-352B-5AE5-AD61-6925C9A8FED6}"/>
+              </a:ext>
+            </a:extLst>
+          </p:cNvPr>
+          <p:cNvSpPr>
+            <a:spLocks noGrp="1"/>
+          </p:cNvSpPr>
+          <p:nvPr>
+            <p:ph type="title"/>
+          </p:nvPr>
+        </p:nvSpPr>
+        <p:spPr/>
+        <p:txBody>
+          <a:bodyPr/>
+          <a:lstStyle/>
+          <a:p>
+            <a:r>
+              <a:rPr lang="en-AU" dirty="0"/>
+              <a:t>Disable internet</a:t>
+            </a:r>
+          </a:p>
+        </p:txBody>
+      </p:sp>
+      <p:pic>
+        <p:nvPicPr>
+          <p:cNvPr id="5" name="Picture 4">
+            <a:extLst>
+              <a:ext uri="{FF2B5EF4-FFF2-40B4-BE49-F238E27FC236}">
+                <a16:creationId xmlns:a16="http://schemas.microsoft.com/office/drawing/2014/main" id="{C2075CAD-5D37-FD12-1AB7-FFBC206D3CE0}"/>
+              </a:ext>
+            </a:extLst>
+          </p:cNvPr>
+          <p:cNvPicPr>
+            <a:picLocks noChangeAspect="1"/>
+          </p:cNvPicPr>
+          <p:nvPr/>
+        </p:nvPicPr>
+        <p:blipFill>
+          <a:blip r:embed="rId2"/>
+          <a:stretch>
+            <a:fillRect/>
+          </a:stretch>
+        </p:blipFill>
+        <p:spPr>
+          <a:xfrm>
+            <a:off x="3162046" y="3059398"/>
+            <a:ext cx="5867908" cy="739204"/>
+          </a:xfrm>
+          <a:prstGeom prst="rect">
+            <a:avLst/>
+          </a:prstGeom>
+        </p:spPr>
+      </p:pic>
+    </p:spTree>
+    <p:extLst>
+      <p:ext uri="{BB962C8B-B14F-4D97-AF65-F5344CB8AC3E}">
+        <p14:creationId xmlns:p14="http://schemas.microsoft.com/office/powerpoint/2010/main" val="1656207207"/>
+      </p:ext>
+    </p:extLst>
+  </p:cSld>
+  <p:clrMapOvr>
+    <a:masterClrMapping/>
+  </p:clrMapOvr>
+</p:sld>
+</file>
+
+<file path=ppt/slides/slide13.xml><?xml version="1.0" encoding="utf-8"?>
+<p:sld xmlns:a="http://schemas.openxmlformats.org/drawingml/2006/main" xmlns:r="http://schemas.openxmlformats.org/officeDocument/2006/relationships" xmlns:p="http://schemas.openxmlformats.org/presentationml/2006/main">
+  <p:cSld>
+    <p:spTree>
+      <p:nvGrpSpPr>
+        <p:cNvPr id="1" name=""/>
+        <p:cNvGrpSpPr/>
+        <p:nvPr/>
+      </p:nvGrpSpPr>
+      <p:grpSpPr>
+        <a:xfrm>
+          <a:off x="0" y="0"/>
+          <a:ext cx="0" cy="0"/>
+          <a:chOff x="0" y="0"/>
+          <a:chExt cx="0" cy="0"/>
+        </a:xfrm>
+      </p:grpSpPr>
+      <p:sp>
+        <p:nvSpPr>
+          <p:cNvPr id="2" name="Title 1">
+            <a:extLst>
+              <a:ext uri="{FF2B5EF4-FFF2-40B4-BE49-F238E27FC236}">
+                <a16:creationId xmlns:a16="http://schemas.microsoft.com/office/drawing/2014/main" id="{9233FE06-3869-ECEF-0592-5EA389C7E104}"/>
+              </a:ext>
+            </a:extLst>
+          </p:cNvPr>
+          <p:cNvSpPr>
+            <a:spLocks noGrp="1"/>
+          </p:cNvSpPr>
+          <p:nvPr>
+            <p:ph type="title"/>
+          </p:nvPr>
+        </p:nvSpPr>
+        <p:spPr/>
+        <p:txBody>
+          <a:bodyPr/>
+          <a:lstStyle/>
+          <a:p>
+            <a:r>
+              <a:rPr lang="en-AU" dirty="0"/>
+              <a:t>Test internet after internet restrict</a:t>
+            </a:r>
+          </a:p>
+        </p:txBody>
+      </p:sp>
+      <p:pic>
+        <p:nvPicPr>
+          <p:cNvPr id="5" name="Picture 4">
+            <a:extLst>
+              <a:ext uri="{FF2B5EF4-FFF2-40B4-BE49-F238E27FC236}">
+                <a16:creationId xmlns:a16="http://schemas.microsoft.com/office/drawing/2014/main" id="{575D58A0-544B-BE00-D729-C24450B1B9B3}"/>
+              </a:ext>
+            </a:extLst>
+          </p:cNvPr>
+          <p:cNvPicPr>
+            <a:picLocks noChangeAspect="1"/>
+          </p:cNvPicPr>
+          <p:nvPr/>
+        </p:nvPicPr>
+        <p:blipFill>
+          <a:blip r:embed="rId2"/>
+          <a:stretch>
+            <a:fillRect/>
+          </a:stretch>
+        </p:blipFill>
+        <p:spPr>
+          <a:xfrm>
+            <a:off x="3219200" y="2945088"/>
+            <a:ext cx="5753599" cy="967824"/>
+          </a:xfrm>
+          <a:prstGeom prst="rect">
+            <a:avLst/>
+          </a:prstGeom>
+        </p:spPr>
+      </p:pic>
+    </p:spTree>
+    <p:extLst>
+      <p:ext uri="{BB962C8B-B14F-4D97-AF65-F5344CB8AC3E}">
+        <p14:creationId xmlns:p14="http://schemas.microsoft.com/office/powerpoint/2010/main" val="3689019915"/>
+      </p:ext>
+    </p:extLst>
+  </p:cSld>
+  <p:clrMapOvr>
+    <a:masterClrMapping/>
+  </p:clrMapOvr>
+</p:sld>
+</file>
+
+<file path=ppt/slides/slide14.xml><?xml version="1.0" encoding="utf-8"?>
+<p:sld xmlns:a="http://schemas.openxmlformats.org/drawingml/2006/main" xmlns:r="http://schemas.openxmlformats.org/officeDocument/2006/relationships" xmlns:p="http://schemas.openxmlformats.org/presentationml/2006/main">
+  <p:cSld>
+    <p:spTree>
+      <p:nvGrpSpPr>
+        <p:cNvPr id="1" name=""/>
+        <p:cNvGrpSpPr/>
+        <p:nvPr/>
+      </p:nvGrpSpPr>
+      <p:grpSpPr>
+        <a:xfrm>
+          <a:off x="0" y="0"/>
+          <a:ext cx="0" cy="0"/>
+          <a:chOff x="0" y="0"/>
+          <a:chExt cx="0" cy="0"/>
+        </a:xfrm>
+      </p:grpSpPr>
+      <p:sp>
+        <p:nvSpPr>
+          <p:cNvPr id="2" name="Title 1">
+            <a:extLst>
+              <a:ext uri="{FF2B5EF4-FFF2-40B4-BE49-F238E27FC236}">
+                <a16:creationId xmlns:a16="http://schemas.microsoft.com/office/drawing/2014/main" id="{259EB577-570B-E138-37F8-327873902114}"/>
+              </a:ext>
+            </a:extLst>
+          </p:cNvPr>
+          <p:cNvSpPr>
+            <a:spLocks noGrp="1"/>
+          </p:cNvSpPr>
+          <p:nvPr>
+            <p:ph type="title"/>
+          </p:nvPr>
+        </p:nvSpPr>
+        <p:spPr/>
+        <p:txBody>
+          <a:bodyPr/>
+          <a:lstStyle/>
+          <a:p>
+            <a:r>
+              <a:rPr lang="en-AU" dirty="0"/>
+              <a:t>Re-enabling internet</a:t>
+            </a:r>
+          </a:p>
+        </p:txBody>
+      </p:sp>
+      <p:pic>
+        <p:nvPicPr>
+          <p:cNvPr id="5" name="Picture 4">
+            <a:extLst>
+              <a:ext uri="{FF2B5EF4-FFF2-40B4-BE49-F238E27FC236}">
+                <a16:creationId xmlns:a16="http://schemas.microsoft.com/office/drawing/2014/main" id="{B5FE1E4D-4C2E-AD66-8730-250FBCE46635}"/>
+              </a:ext>
+            </a:extLst>
+          </p:cNvPr>
+          <p:cNvPicPr>
+            <a:picLocks noChangeAspect="1"/>
+          </p:cNvPicPr>
+          <p:nvPr/>
+        </p:nvPicPr>
+        <p:blipFill>
+          <a:blip r:embed="rId2"/>
+          <a:stretch>
+            <a:fillRect/>
+          </a:stretch>
+        </p:blipFill>
+        <p:spPr>
+          <a:xfrm>
+            <a:off x="2468565" y="2998432"/>
+            <a:ext cx="7254869" cy="861135"/>
+          </a:xfrm>
+          <a:prstGeom prst="rect">
+            <a:avLst/>
+          </a:prstGeom>
+        </p:spPr>
+      </p:pic>
+    </p:spTree>
+    <p:extLst>
+      <p:ext uri="{BB962C8B-B14F-4D97-AF65-F5344CB8AC3E}">
+        <p14:creationId xmlns:p14="http://schemas.microsoft.com/office/powerpoint/2010/main" val="2330963595"/>
+      </p:ext>
+    </p:extLst>
+  </p:cSld>
+  <p:clrMapOvr>
+    <a:masterClrMapping/>
+  </p:clrMapOvr>
+</p:sld>
+</file>
+
+<file path=ppt/slides/slide15.xml><?xml version="1.0" encoding="utf-8"?>
+<p:sld xmlns:a="http://schemas.openxmlformats.org/drawingml/2006/main" xmlns:r="http://schemas.openxmlformats.org/officeDocument/2006/relationships" xmlns:p="http://schemas.openxmlformats.org/presentationml/2006/main">
+  <p:cSld>
+    <p:spTree>
+      <p:nvGrpSpPr>
+        <p:cNvPr id="1" name=""/>
+        <p:cNvGrpSpPr/>
+        <p:nvPr/>
+      </p:nvGrpSpPr>
+      <p:grpSpPr>
+        <a:xfrm>
+          <a:off x="0" y="0"/>
+          <a:ext cx="0" cy="0"/>
+          <a:chOff x="0" y="0"/>
+          <a:chExt cx="0" cy="0"/>
+        </a:xfrm>
+      </p:grpSpPr>
+      <p:sp>
+        <p:nvSpPr>
+          <p:cNvPr id="2" name="Title 1">
+            <a:extLst>
+              <a:ext uri="{FF2B5EF4-FFF2-40B4-BE49-F238E27FC236}">
+                <a16:creationId xmlns:a16="http://schemas.microsoft.com/office/drawing/2014/main" id="{6EBA6D83-D5E6-0779-106A-C328C7C6CC86}"/>
+              </a:ext>
+            </a:extLst>
+          </p:cNvPr>
+          <p:cNvSpPr>
+            <a:spLocks noGrp="1"/>
+          </p:cNvSpPr>
+          <p:nvPr>
+            <p:ph type="title"/>
+          </p:nvPr>
+        </p:nvSpPr>
+        <p:spPr/>
+        <p:txBody>
+          <a:bodyPr/>
+          <a:lstStyle/>
+          <a:p>
+            <a:r>
+              <a:rPr lang="en-AU" dirty="0"/>
+              <a:t>Issues/Bugs encountered</a:t>
+            </a:r>
+          </a:p>
+        </p:txBody>
+      </p:sp>
+      <p:sp>
+        <p:nvSpPr>
+          <p:cNvPr id="3" name="Content Placeholder 2">
+            <a:extLst>
+              <a:ext uri="{FF2B5EF4-FFF2-40B4-BE49-F238E27FC236}">
+                <a16:creationId xmlns:a16="http://schemas.microsoft.com/office/drawing/2014/main" id="{081AC478-9A71-46FB-BF17-6AFFE3D3F7B7}"/>
+              </a:ext>
+            </a:extLst>
+          </p:cNvPr>
+          <p:cNvSpPr>
+            <a:spLocks noGrp="1"/>
+          </p:cNvSpPr>
+          <p:nvPr>
+            <p:ph idx="1"/>
+          </p:nvPr>
+        </p:nvSpPr>
+        <p:spPr/>
+        <p:txBody>
+          <a:bodyPr>
+            <a:normAutofit fontScale="62500" lnSpcReduction="20000"/>
+          </a:bodyPr>
+          <a:lstStyle/>
+          <a:p>
+            <a:r>
+              <a:rPr lang="en-US" dirty="0"/>
+              <a:t>turns out </a:t>
+            </a:r>
+            <a:r>
+              <a:rPr lang="en-US" dirty="0" err="1"/>
+              <a:t>powershell</a:t>
+            </a:r>
+            <a:r>
+              <a:rPr lang="en-US" dirty="0"/>
+              <a:t> has some really “interesting” behavior and any text you echo in a function will be added to the start of the return data from function. This means you cant put debugging </a:t>
+            </a:r>
+            <a:r>
+              <a:rPr lang="en-US" dirty="0" err="1"/>
+              <a:t>echos</a:t>
+            </a:r>
+            <a:r>
+              <a:rPr lang="en-US" dirty="0"/>
+              <a:t> in functions that return data otherwise your comparisons to those functions returned data will </a:t>
+            </a:r>
+            <a:r>
+              <a:rPr lang="en-US"/>
+              <a:t>be wrong.</a:t>
+            </a:r>
+            <a:endParaRPr lang="en-US" dirty="0"/>
+          </a:p>
+          <a:p>
+            <a:endParaRPr lang="en-US" dirty="0"/>
+          </a:p>
+          <a:p>
+            <a:pPr marL="0" indent="0">
+              <a:buNone/>
+            </a:pPr>
+            <a:r>
+              <a:rPr lang="en-US" dirty="0"/>
+              <a:t>I do not understand how any programmer making a function like the one below where it clearly is returning a Boolean value if something is true wants and echo or Write-Output to be appended to the return data.</a:t>
+            </a:r>
+          </a:p>
+          <a:p>
+            <a:endParaRPr lang="en-US" dirty="0"/>
+          </a:p>
+          <a:p>
+            <a:r>
+              <a:rPr lang="en-US" dirty="0"/>
+              <a:t>Function test()</a:t>
+            </a:r>
+          </a:p>
+          <a:p>
+            <a:r>
+              <a:rPr lang="en-US" dirty="0"/>
+              <a:t>{</a:t>
+            </a:r>
+          </a:p>
+          <a:p>
+            <a:r>
+              <a:rPr lang="en-US" dirty="0"/>
+              <a:t>echo "checking if internet has exploded"</a:t>
+            </a:r>
+          </a:p>
+          <a:p>
+            <a:r>
+              <a:rPr lang="en-US" dirty="0"/>
+              <a:t>return $true</a:t>
+            </a:r>
+          </a:p>
+          <a:p>
+            <a:r>
+              <a:rPr lang="en-US" dirty="0"/>
+              <a:t>}</a:t>
+            </a:r>
+          </a:p>
+          <a:p>
+            <a:r>
+              <a:rPr lang="en-US" dirty="0"/>
+              <a:t>This function will return "checking if internet has exploded true" rather than returning just true therefore making any </a:t>
+            </a:r>
+            <a:r>
+              <a:rPr lang="en-US" dirty="0" err="1"/>
+              <a:t>boolean</a:t>
+            </a:r>
+            <a:r>
+              <a:rPr lang="en-US" dirty="0"/>
+              <a:t> checks come back as true. Example if(test) which should check if the function is true or false will return true no matter what, even that </a:t>
+            </a:r>
+            <a:r>
+              <a:rPr lang="en-US" dirty="0" err="1"/>
+              <a:t>doesnt</a:t>
+            </a:r>
+            <a:r>
+              <a:rPr lang="en-US" dirty="0"/>
+              <a:t> make sense how does a function returning a bunch of text equal $true it does not equal $true.</a:t>
+            </a:r>
+            <a:endParaRPr lang="en-AU" dirty="0"/>
+          </a:p>
+        </p:txBody>
+      </p:sp>
+    </p:spTree>
+    <p:extLst>
+      <p:ext uri="{BB962C8B-B14F-4D97-AF65-F5344CB8AC3E}">
+        <p14:creationId xmlns:p14="http://schemas.microsoft.com/office/powerpoint/2010/main" val="3313838117"/>
+      </p:ext>
+    </p:extLst>
+  </p:cSld>
+  <p:clrMapOvr>
+    <a:masterClrMapping/>
+  </p:clrMapOvr>
+</p:sld>
+</file>
+
+<file path=ppt/slides/slide2.xml><?xml version="1.0" encoding="utf-8"?>
+<p:sld xmlns:a="http://schemas.openxmlformats.org/drawingml/2006/main" xmlns:r="http://schemas.openxmlformats.org/officeDocument/2006/relationships" xmlns:p="http://schemas.openxmlformats.org/presentationml/2006/main">
+  <p:cSld>
+    <p:spTree>
+      <p:nvGrpSpPr>
+        <p:cNvPr id="1" name=""/>
+        <p:cNvGrpSpPr/>
+        <p:nvPr/>
+      </p:nvGrpSpPr>
+      <p:grpSpPr>
+        <a:xfrm>
+          <a:off x="0" y="0"/>
+          <a:ext cx="0" cy="0"/>
+          <a:chOff x="0" y="0"/>
+          <a:chExt cx="0" cy="0"/>
+        </a:xfrm>
+      </p:grpSpPr>
+      <p:sp>
+        <p:nvSpPr>
           <p:cNvPr id="5" name="TextBox 4">
             <a:extLst>
               <a:ext uri="{FF2B5EF4-FFF2-40B4-BE49-F238E27FC236}">
@@ -3487,536 +4217,7 @@
 </p:sld>
 </file>
 
-<file path=ppt/slides/slide10.xml><?xml version="1.0" encoding="utf-8"?>
-<p:sld xmlns:a="http://schemas.openxmlformats.org/drawingml/2006/main" xmlns:r="http://schemas.openxmlformats.org/officeDocument/2006/relationships" xmlns:p="http://schemas.openxmlformats.org/presentationml/2006/main">
-  <p:cSld>
-    <p:spTree>
-      <p:nvGrpSpPr>
-        <p:cNvPr id="1" name=""/>
-        <p:cNvGrpSpPr/>
-        <p:nvPr/>
-      </p:nvGrpSpPr>
-      <p:grpSpPr>
-        <a:xfrm>
-          <a:off x="0" y="0"/>
-          <a:ext cx="0" cy="0"/>
-          <a:chOff x="0" y="0"/>
-          <a:chExt cx="0" cy="0"/>
-        </a:xfrm>
-      </p:grpSpPr>
-      <p:sp>
-        <p:nvSpPr>
-          <p:cNvPr id="2" name="Title 1">
-            <a:extLst>
-              <a:ext uri="{FF2B5EF4-FFF2-40B4-BE49-F238E27FC236}">
-                <a16:creationId xmlns:a16="http://schemas.microsoft.com/office/drawing/2014/main" id="{854649CD-D051-C581-4849-199C67317ACE}"/>
-              </a:ext>
-            </a:extLst>
-          </p:cNvPr>
-          <p:cNvSpPr>
-            <a:spLocks noGrp="1"/>
-          </p:cNvSpPr>
-          <p:nvPr>
-            <p:ph type="title"/>
-          </p:nvPr>
-        </p:nvSpPr>
-        <p:spPr/>
-        <p:txBody>
-          <a:bodyPr/>
-          <a:lstStyle/>
-          <a:p>
-            <a:r>
-              <a:rPr lang="en-AU" dirty="0"/>
-              <a:t>Test Internet access</a:t>
-            </a:r>
-          </a:p>
-        </p:txBody>
-      </p:sp>
-      <p:pic>
-        <p:nvPicPr>
-          <p:cNvPr id="5" name="Picture 4">
-            <a:extLst>
-              <a:ext uri="{FF2B5EF4-FFF2-40B4-BE49-F238E27FC236}">
-                <a16:creationId xmlns:a16="http://schemas.microsoft.com/office/drawing/2014/main" id="{62975469-256D-1E7D-2ACC-C69AB0753038}"/>
-              </a:ext>
-            </a:extLst>
-          </p:cNvPr>
-          <p:cNvPicPr>
-            <a:picLocks noChangeAspect="1"/>
-          </p:cNvPicPr>
-          <p:nvPr/>
-        </p:nvPicPr>
-        <p:blipFill>
-          <a:blip r:embed="rId2"/>
-          <a:stretch>
-            <a:fillRect/>
-          </a:stretch>
-        </p:blipFill>
-        <p:spPr>
-          <a:xfrm>
-            <a:off x="2807685" y="2834588"/>
-            <a:ext cx="6576630" cy="1188823"/>
-          </a:xfrm>
-          <a:prstGeom prst="rect">
-            <a:avLst/>
-          </a:prstGeom>
-        </p:spPr>
-      </p:pic>
-    </p:spTree>
-    <p:extLst>
-      <p:ext uri="{BB962C8B-B14F-4D97-AF65-F5344CB8AC3E}">
-        <p14:creationId xmlns:p14="http://schemas.microsoft.com/office/powerpoint/2010/main" val="844153684"/>
-      </p:ext>
-    </p:extLst>
-  </p:cSld>
-  <p:clrMapOvr>
-    <a:masterClrMapping/>
-  </p:clrMapOvr>
-</p:sld>
-</file>
-
-<file path=ppt/slides/slide11.xml><?xml version="1.0" encoding="utf-8"?>
-<p:sld xmlns:a="http://schemas.openxmlformats.org/drawingml/2006/main" xmlns:r="http://schemas.openxmlformats.org/officeDocument/2006/relationships" xmlns:p="http://schemas.openxmlformats.org/presentationml/2006/main">
-  <p:cSld>
-    <p:spTree>
-      <p:nvGrpSpPr>
-        <p:cNvPr id="1" name=""/>
-        <p:cNvGrpSpPr/>
-        <p:nvPr/>
-      </p:nvGrpSpPr>
-      <p:grpSpPr>
-        <a:xfrm>
-          <a:off x="0" y="0"/>
-          <a:ext cx="0" cy="0"/>
-          <a:chOff x="0" y="0"/>
-          <a:chExt cx="0" cy="0"/>
-        </a:xfrm>
-      </p:grpSpPr>
-      <p:sp>
-        <p:nvSpPr>
-          <p:cNvPr id="2" name="Title 1">
-            <a:extLst>
-              <a:ext uri="{FF2B5EF4-FFF2-40B4-BE49-F238E27FC236}">
-                <a16:creationId xmlns:a16="http://schemas.microsoft.com/office/drawing/2014/main" id="{0AD2B82A-352B-5AE5-AD61-6925C9A8FED6}"/>
-              </a:ext>
-            </a:extLst>
-          </p:cNvPr>
-          <p:cNvSpPr>
-            <a:spLocks noGrp="1"/>
-          </p:cNvSpPr>
-          <p:nvPr>
-            <p:ph type="title"/>
-          </p:nvPr>
-        </p:nvSpPr>
-        <p:spPr/>
-        <p:txBody>
-          <a:bodyPr/>
-          <a:lstStyle/>
-          <a:p>
-            <a:r>
-              <a:rPr lang="en-AU" dirty="0"/>
-              <a:t>Disable internet</a:t>
-            </a:r>
-          </a:p>
-        </p:txBody>
-      </p:sp>
-      <p:pic>
-        <p:nvPicPr>
-          <p:cNvPr id="5" name="Picture 4">
-            <a:extLst>
-              <a:ext uri="{FF2B5EF4-FFF2-40B4-BE49-F238E27FC236}">
-                <a16:creationId xmlns:a16="http://schemas.microsoft.com/office/drawing/2014/main" id="{C2075CAD-5D37-FD12-1AB7-FFBC206D3CE0}"/>
-              </a:ext>
-            </a:extLst>
-          </p:cNvPr>
-          <p:cNvPicPr>
-            <a:picLocks noChangeAspect="1"/>
-          </p:cNvPicPr>
-          <p:nvPr/>
-        </p:nvPicPr>
-        <p:blipFill>
-          <a:blip r:embed="rId2"/>
-          <a:stretch>
-            <a:fillRect/>
-          </a:stretch>
-        </p:blipFill>
-        <p:spPr>
-          <a:xfrm>
-            <a:off x="3162046" y="3059398"/>
-            <a:ext cx="5867908" cy="739204"/>
-          </a:xfrm>
-          <a:prstGeom prst="rect">
-            <a:avLst/>
-          </a:prstGeom>
-        </p:spPr>
-      </p:pic>
-    </p:spTree>
-    <p:extLst>
-      <p:ext uri="{BB962C8B-B14F-4D97-AF65-F5344CB8AC3E}">
-        <p14:creationId xmlns:p14="http://schemas.microsoft.com/office/powerpoint/2010/main" val="1656207207"/>
-      </p:ext>
-    </p:extLst>
-  </p:cSld>
-  <p:clrMapOvr>
-    <a:masterClrMapping/>
-  </p:clrMapOvr>
-</p:sld>
-</file>
-
-<file path=ppt/slides/slide12.xml><?xml version="1.0" encoding="utf-8"?>
-<p:sld xmlns:a="http://schemas.openxmlformats.org/drawingml/2006/main" xmlns:r="http://schemas.openxmlformats.org/officeDocument/2006/relationships" xmlns:p="http://schemas.openxmlformats.org/presentationml/2006/main">
-  <p:cSld>
-    <p:spTree>
-      <p:nvGrpSpPr>
-        <p:cNvPr id="1" name=""/>
-        <p:cNvGrpSpPr/>
-        <p:nvPr/>
-      </p:nvGrpSpPr>
-      <p:grpSpPr>
-        <a:xfrm>
-          <a:off x="0" y="0"/>
-          <a:ext cx="0" cy="0"/>
-          <a:chOff x="0" y="0"/>
-          <a:chExt cx="0" cy="0"/>
-        </a:xfrm>
-      </p:grpSpPr>
-      <p:sp>
-        <p:nvSpPr>
-          <p:cNvPr id="2" name="Title 1">
-            <a:extLst>
-              <a:ext uri="{FF2B5EF4-FFF2-40B4-BE49-F238E27FC236}">
-                <a16:creationId xmlns:a16="http://schemas.microsoft.com/office/drawing/2014/main" id="{9233FE06-3869-ECEF-0592-5EA389C7E104}"/>
-              </a:ext>
-            </a:extLst>
-          </p:cNvPr>
-          <p:cNvSpPr>
-            <a:spLocks noGrp="1"/>
-          </p:cNvSpPr>
-          <p:nvPr>
-            <p:ph type="title"/>
-          </p:nvPr>
-        </p:nvSpPr>
-        <p:spPr/>
-        <p:txBody>
-          <a:bodyPr/>
-          <a:lstStyle/>
-          <a:p>
-            <a:r>
-              <a:rPr lang="en-AU" dirty="0"/>
-              <a:t>Test internet after internet restrict</a:t>
-            </a:r>
-          </a:p>
-        </p:txBody>
-      </p:sp>
-      <p:pic>
-        <p:nvPicPr>
-          <p:cNvPr id="5" name="Picture 4">
-            <a:extLst>
-              <a:ext uri="{FF2B5EF4-FFF2-40B4-BE49-F238E27FC236}">
-                <a16:creationId xmlns:a16="http://schemas.microsoft.com/office/drawing/2014/main" id="{575D58A0-544B-BE00-D729-C24450B1B9B3}"/>
-              </a:ext>
-            </a:extLst>
-          </p:cNvPr>
-          <p:cNvPicPr>
-            <a:picLocks noChangeAspect="1"/>
-          </p:cNvPicPr>
-          <p:nvPr/>
-        </p:nvPicPr>
-        <p:blipFill>
-          <a:blip r:embed="rId2"/>
-          <a:stretch>
-            <a:fillRect/>
-          </a:stretch>
-        </p:blipFill>
-        <p:spPr>
-          <a:xfrm>
-            <a:off x="3219200" y="2945088"/>
-            <a:ext cx="5753599" cy="967824"/>
-          </a:xfrm>
-          <a:prstGeom prst="rect">
-            <a:avLst/>
-          </a:prstGeom>
-        </p:spPr>
-      </p:pic>
-    </p:spTree>
-    <p:extLst>
-      <p:ext uri="{BB962C8B-B14F-4D97-AF65-F5344CB8AC3E}">
-        <p14:creationId xmlns:p14="http://schemas.microsoft.com/office/powerpoint/2010/main" val="3689019915"/>
-      </p:ext>
-    </p:extLst>
-  </p:cSld>
-  <p:clrMapOvr>
-    <a:masterClrMapping/>
-  </p:clrMapOvr>
-</p:sld>
-</file>
-
-<file path=ppt/slides/slide13.xml><?xml version="1.0" encoding="utf-8"?>
-<p:sld xmlns:a="http://schemas.openxmlformats.org/drawingml/2006/main" xmlns:r="http://schemas.openxmlformats.org/officeDocument/2006/relationships" xmlns:p="http://schemas.openxmlformats.org/presentationml/2006/main">
-  <p:cSld>
-    <p:spTree>
-      <p:nvGrpSpPr>
-        <p:cNvPr id="1" name=""/>
-        <p:cNvGrpSpPr/>
-        <p:nvPr/>
-      </p:nvGrpSpPr>
-      <p:grpSpPr>
-        <a:xfrm>
-          <a:off x="0" y="0"/>
-          <a:ext cx="0" cy="0"/>
-          <a:chOff x="0" y="0"/>
-          <a:chExt cx="0" cy="0"/>
-        </a:xfrm>
-      </p:grpSpPr>
-      <p:sp>
-        <p:nvSpPr>
-          <p:cNvPr id="2" name="Title 1">
-            <a:extLst>
-              <a:ext uri="{FF2B5EF4-FFF2-40B4-BE49-F238E27FC236}">
-                <a16:creationId xmlns:a16="http://schemas.microsoft.com/office/drawing/2014/main" id="{259EB577-570B-E138-37F8-327873902114}"/>
-              </a:ext>
-            </a:extLst>
-          </p:cNvPr>
-          <p:cNvSpPr>
-            <a:spLocks noGrp="1"/>
-          </p:cNvSpPr>
-          <p:nvPr>
-            <p:ph type="title"/>
-          </p:nvPr>
-        </p:nvSpPr>
-        <p:spPr/>
-        <p:txBody>
-          <a:bodyPr/>
-          <a:lstStyle/>
-          <a:p>
-            <a:r>
-              <a:rPr lang="en-AU" dirty="0"/>
-              <a:t>Re-enabling internet</a:t>
-            </a:r>
-          </a:p>
-        </p:txBody>
-      </p:sp>
-      <p:pic>
-        <p:nvPicPr>
-          <p:cNvPr id="5" name="Picture 4">
-            <a:extLst>
-              <a:ext uri="{FF2B5EF4-FFF2-40B4-BE49-F238E27FC236}">
-                <a16:creationId xmlns:a16="http://schemas.microsoft.com/office/drawing/2014/main" id="{B5FE1E4D-4C2E-AD66-8730-250FBCE46635}"/>
-              </a:ext>
-            </a:extLst>
-          </p:cNvPr>
-          <p:cNvPicPr>
-            <a:picLocks noChangeAspect="1"/>
-          </p:cNvPicPr>
-          <p:nvPr/>
-        </p:nvPicPr>
-        <p:blipFill>
-          <a:blip r:embed="rId2"/>
-          <a:stretch>
-            <a:fillRect/>
-          </a:stretch>
-        </p:blipFill>
-        <p:spPr>
-          <a:xfrm>
-            <a:off x="2468565" y="2998432"/>
-            <a:ext cx="7254869" cy="861135"/>
-          </a:xfrm>
-          <a:prstGeom prst="rect">
-            <a:avLst/>
-          </a:prstGeom>
-        </p:spPr>
-      </p:pic>
-    </p:spTree>
-    <p:extLst>
-      <p:ext uri="{BB962C8B-B14F-4D97-AF65-F5344CB8AC3E}">
-        <p14:creationId xmlns:p14="http://schemas.microsoft.com/office/powerpoint/2010/main" val="2330963595"/>
-      </p:ext>
-    </p:extLst>
-  </p:cSld>
-  <p:clrMapOvr>
-    <a:masterClrMapping/>
-  </p:clrMapOvr>
-</p:sld>
-</file>
-
-<file path=ppt/slides/slide14.xml><?xml version="1.0" encoding="utf-8"?>
-<p:sld xmlns:a="http://schemas.openxmlformats.org/drawingml/2006/main" xmlns:r="http://schemas.openxmlformats.org/officeDocument/2006/relationships" xmlns:p="http://schemas.openxmlformats.org/presentationml/2006/main">
-  <p:cSld>
-    <p:spTree>
-      <p:nvGrpSpPr>
-        <p:cNvPr id="1" name=""/>
-        <p:cNvGrpSpPr/>
-        <p:nvPr/>
-      </p:nvGrpSpPr>
-      <p:grpSpPr>
-        <a:xfrm>
-          <a:off x="0" y="0"/>
-          <a:ext cx="0" cy="0"/>
-          <a:chOff x="0" y="0"/>
-          <a:chExt cx="0" cy="0"/>
-        </a:xfrm>
-      </p:grpSpPr>
-      <p:sp>
-        <p:nvSpPr>
-          <p:cNvPr id="2" name="Title 1">
-            <a:extLst>
-              <a:ext uri="{FF2B5EF4-FFF2-40B4-BE49-F238E27FC236}">
-                <a16:creationId xmlns:a16="http://schemas.microsoft.com/office/drawing/2014/main" id="{6EBA6D83-D5E6-0779-106A-C328C7C6CC86}"/>
-              </a:ext>
-            </a:extLst>
-          </p:cNvPr>
-          <p:cNvSpPr>
-            <a:spLocks noGrp="1"/>
-          </p:cNvSpPr>
-          <p:nvPr>
-            <p:ph type="title"/>
-          </p:nvPr>
-        </p:nvSpPr>
-        <p:spPr/>
-        <p:txBody>
-          <a:bodyPr/>
-          <a:lstStyle/>
-          <a:p>
-            <a:r>
-              <a:rPr lang="en-AU" dirty="0"/>
-              <a:t>Issues/Bugs encountered</a:t>
-            </a:r>
-          </a:p>
-        </p:txBody>
-      </p:sp>
-      <p:sp>
-        <p:nvSpPr>
-          <p:cNvPr id="3" name="Content Placeholder 2">
-            <a:extLst>
-              <a:ext uri="{FF2B5EF4-FFF2-40B4-BE49-F238E27FC236}">
-                <a16:creationId xmlns:a16="http://schemas.microsoft.com/office/drawing/2014/main" id="{081AC478-9A71-46FB-BF17-6AFFE3D3F7B7}"/>
-              </a:ext>
-            </a:extLst>
-          </p:cNvPr>
-          <p:cNvSpPr>
-            <a:spLocks noGrp="1"/>
-          </p:cNvSpPr>
-          <p:nvPr>
-            <p:ph idx="1"/>
-          </p:nvPr>
-        </p:nvSpPr>
-        <p:spPr/>
-        <p:txBody>
-          <a:bodyPr>
-            <a:normAutofit fontScale="62500" lnSpcReduction="20000"/>
-          </a:bodyPr>
-          <a:lstStyle/>
-          <a:p>
-            <a:r>
-              <a:rPr lang="en-US" dirty="0"/>
-              <a:t>turns out </a:t>
-            </a:r>
-            <a:r>
-              <a:rPr lang="en-US" dirty="0" err="1"/>
-              <a:t>powershell</a:t>
-            </a:r>
-            <a:r>
-              <a:rPr lang="en-US" dirty="0"/>
-              <a:t> has some really “interesting” behavior and any text you echo in a function will be added to the start of the return data from function. This means you cant put debugging </a:t>
-            </a:r>
-            <a:r>
-              <a:rPr lang="en-US" dirty="0" err="1"/>
-              <a:t>echos</a:t>
-            </a:r>
-            <a:r>
-              <a:rPr lang="en-US" dirty="0"/>
-              <a:t> in functions that return data otherwise your comparisons to those functions returned data will </a:t>
-            </a:r>
-            <a:r>
-              <a:rPr lang="en-US"/>
-              <a:t>be wrong.</a:t>
-            </a:r>
-            <a:endParaRPr lang="en-US" dirty="0"/>
-          </a:p>
-          <a:p>
-            <a:endParaRPr lang="en-US" dirty="0"/>
-          </a:p>
-          <a:p>
-            <a:pPr marL="0" indent="0">
-              <a:buNone/>
-            </a:pPr>
-            <a:r>
-              <a:rPr lang="en-US" dirty="0"/>
-              <a:t>I do not understand how any programmer making a function like the one below where it clearly is returning a Boolean value if something is true wants and echo or Write-Output to be appended to the return data.</a:t>
-            </a:r>
-          </a:p>
-          <a:p>
-            <a:endParaRPr lang="en-US" dirty="0"/>
-          </a:p>
-          <a:p>
-            <a:r>
-              <a:rPr lang="en-US" dirty="0"/>
-              <a:t>Function test()</a:t>
-            </a:r>
-          </a:p>
-          <a:p>
-            <a:r>
-              <a:rPr lang="en-US" dirty="0"/>
-              <a:t>{</a:t>
-            </a:r>
-          </a:p>
-          <a:p>
-            <a:r>
-              <a:rPr lang="en-US" dirty="0"/>
-              <a:t>echo "checking if internet has exploded"</a:t>
-            </a:r>
-          </a:p>
-          <a:p>
-            <a:r>
-              <a:rPr lang="en-US" dirty="0"/>
-              <a:t>return $true</a:t>
-            </a:r>
-          </a:p>
-          <a:p>
-            <a:r>
-              <a:rPr lang="en-US" dirty="0"/>
-              <a:t>}</a:t>
-            </a:r>
-          </a:p>
-          <a:p>
-            <a:r>
-              <a:rPr lang="en-US" dirty="0"/>
-              <a:t>This function will return "checking if internet has exploded true" rather than returning just true therefore making any </a:t>
-            </a:r>
-            <a:r>
-              <a:rPr lang="en-US" dirty="0" err="1"/>
-              <a:t>boolean</a:t>
-            </a:r>
-            <a:r>
-              <a:rPr lang="en-US" dirty="0"/>
-              <a:t> checks come back as true. Example if(test) which should check if the function is true or false will return true no matter what, even that </a:t>
-            </a:r>
-            <a:r>
-              <a:rPr lang="en-US" dirty="0" err="1"/>
-              <a:t>doesnt</a:t>
-            </a:r>
-            <a:r>
-              <a:rPr lang="en-US" dirty="0"/>
-              <a:t> make sense how does a function returning a bunch of text equal $true it does not equal $true.</a:t>
-            </a:r>
-            <a:endParaRPr lang="en-AU" dirty="0"/>
-          </a:p>
-        </p:txBody>
-      </p:sp>
-    </p:spTree>
-    <p:extLst>
-      <p:ext uri="{BB962C8B-B14F-4D97-AF65-F5344CB8AC3E}">
-        <p14:creationId xmlns:p14="http://schemas.microsoft.com/office/powerpoint/2010/main" val="3313838117"/>
-      </p:ext>
-    </p:extLst>
-  </p:cSld>
-  <p:clrMapOvr>
-    <a:masterClrMapping/>
-  </p:clrMapOvr>
-</p:sld>
-</file>
-
-<file path=ppt/slides/slide2.xml><?xml version="1.0" encoding="utf-8"?>
+<file path=ppt/slides/slide3.xml><?xml version="1.0" encoding="utf-8"?>
 <p:sld xmlns:a="http://schemas.openxmlformats.org/drawingml/2006/main" xmlns:r="http://schemas.openxmlformats.org/officeDocument/2006/relationships" xmlns:p="http://schemas.openxmlformats.org/presentationml/2006/main">
   <p:cSld>
     <p:spTree>
@@ -4124,7 +4325,7 @@
 </p:sld>
 </file>
 
-<file path=ppt/slides/slide3.xml><?xml version="1.0" encoding="utf-8"?>
+<file path=ppt/slides/slide4.xml><?xml version="1.0" encoding="utf-8"?>
 <p:sld xmlns:a="http://schemas.openxmlformats.org/drawingml/2006/main" xmlns:r="http://schemas.openxmlformats.org/officeDocument/2006/relationships" xmlns:p="http://schemas.openxmlformats.org/presentationml/2006/main">
   <p:cSld>
     <p:spTree>
@@ -4232,7 +4433,7 @@
 </p:sld>
 </file>
 
-<file path=ppt/slides/slide4.xml><?xml version="1.0" encoding="utf-8"?>
+<file path=ppt/slides/slide5.xml><?xml version="1.0" encoding="utf-8"?>
 <p:sld xmlns:a="http://schemas.openxmlformats.org/drawingml/2006/main" xmlns:r="http://schemas.openxmlformats.org/officeDocument/2006/relationships" xmlns:p="http://schemas.openxmlformats.org/presentationml/2006/main">
   <p:cSld>
     <p:spTree>
@@ -4413,7 +4614,7 @@
 </p:sld>
 </file>
 
-<file path=ppt/slides/slide5.xml><?xml version="1.0" encoding="utf-8"?>
+<file path=ppt/slides/slide6.xml><?xml version="1.0" encoding="utf-8"?>
 <p:sld xmlns:a="http://schemas.openxmlformats.org/drawingml/2006/main" xmlns:r="http://schemas.openxmlformats.org/officeDocument/2006/relationships" xmlns:p="http://schemas.openxmlformats.org/presentationml/2006/main">
   <p:cSld>
     <p:spTree>
@@ -4553,7 +4754,7 @@
 </p:sld>
 </file>
 
-<file path=ppt/slides/slide6.xml><?xml version="1.0" encoding="utf-8"?>
+<file path=ppt/slides/slide7.xml><?xml version="1.0" encoding="utf-8"?>
 <p:sld xmlns:a="http://schemas.openxmlformats.org/drawingml/2006/main" xmlns:r="http://schemas.openxmlformats.org/officeDocument/2006/relationships" xmlns:p="http://schemas.openxmlformats.org/presentationml/2006/main">
   <p:cSld>
     <p:spTree>
@@ -4731,7 +4932,7 @@
 </p:sld>
 </file>
 
-<file path=ppt/slides/slide7.xml><?xml version="1.0" encoding="utf-8"?>
+<file path=ppt/slides/slide8.xml><?xml version="1.0" encoding="utf-8"?>
 <p:sld xmlns:a="http://schemas.openxmlformats.org/drawingml/2006/main" xmlns:r="http://schemas.openxmlformats.org/officeDocument/2006/relationships" xmlns:p="http://schemas.openxmlformats.org/presentationml/2006/main">
   <p:cSld>
     <p:spTree>
@@ -4953,64 +5154,6 @@
 </p:sld>
 </file>
 
-<file path=ppt/slides/slide8.xml><?xml version="1.0" encoding="utf-8"?>
-<p:sld xmlns:a="http://schemas.openxmlformats.org/drawingml/2006/main" xmlns:r="http://schemas.openxmlformats.org/officeDocument/2006/relationships" xmlns:p="http://schemas.openxmlformats.org/presentationml/2006/main">
-  <p:cSld>
-    <p:spTree>
-      <p:nvGrpSpPr>
-        <p:cNvPr id="1" name=""/>
-        <p:cNvGrpSpPr/>
-        <p:nvPr/>
-      </p:nvGrpSpPr>
-      <p:grpSpPr>
-        <a:xfrm>
-          <a:off x="0" y="0"/>
-          <a:ext cx="0" cy="0"/>
-          <a:chOff x="0" y="0"/>
-          <a:chExt cx="0" cy="0"/>
-        </a:xfrm>
-      </p:grpSpPr>
-      <p:sp>
-        <p:nvSpPr>
-          <p:cNvPr id="2" name="Title 1">
-            <a:extLst>
-              <a:ext uri="{FF2B5EF4-FFF2-40B4-BE49-F238E27FC236}">
-                <a16:creationId xmlns:a16="http://schemas.microsoft.com/office/drawing/2014/main" id="{2B04BAA7-8EB6-3ABD-88F4-53094B7E029B}"/>
-              </a:ext>
-            </a:extLst>
-          </p:cNvPr>
-          <p:cNvSpPr>
-            <a:spLocks noGrp="1"/>
-          </p:cNvSpPr>
-          <p:nvPr>
-            <p:ph type="title"/>
-          </p:nvPr>
-        </p:nvSpPr>
-        <p:spPr/>
-        <p:txBody>
-          <a:bodyPr/>
-          <a:lstStyle/>
-          <a:p>
-            <a:r>
-              <a:rPr lang="en-AU" dirty="0"/>
-              <a:t>Testing</a:t>
-            </a:r>
-          </a:p>
-        </p:txBody>
-      </p:sp>
-    </p:spTree>
-    <p:extLst>
-      <p:ext uri="{BB962C8B-B14F-4D97-AF65-F5344CB8AC3E}">
-        <p14:creationId xmlns:p14="http://schemas.microsoft.com/office/powerpoint/2010/main" val="2189636707"/>
-      </p:ext>
-    </p:extLst>
-  </p:cSld>
-  <p:clrMapOvr>
-    <a:masterClrMapping/>
-  </p:clrMapOvr>
-</p:sld>
-</file>
-
 <file path=ppt/slides/slide9.xml><?xml version="1.0" encoding="utf-8"?>
 <p:sld xmlns:a="http://schemas.openxmlformats.org/drawingml/2006/main" xmlns:r="http://schemas.openxmlformats.org/officeDocument/2006/relationships" xmlns:p="http://schemas.openxmlformats.org/presentationml/2006/main">
   <p:cSld>
@@ -5030,71 +5173,36 @@
       </p:grpSpPr>
       <p:sp>
         <p:nvSpPr>
-          <p:cNvPr id="3" name="Content Placeholder 2">
-            <a:extLst>
-              <a:ext uri="{FF2B5EF4-FFF2-40B4-BE49-F238E27FC236}">
-                <a16:creationId xmlns:a16="http://schemas.microsoft.com/office/drawing/2014/main" id="{FD0343EA-14CE-CC21-D313-76F53F728BF3}"/>
-              </a:ext>
-            </a:extLst>
-          </p:cNvPr>
-          <p:cNvSpPr>
-            <a:spLocks noGrp="1"/>
-          </p:cNvSpPr>
-          <p:nvPr>
-            <p:ph idx="1"/>
-          </p:nvPr>
-        </p:nvSpPr>
-        <p:spPr>
-          <a:xfrm>
-            <a:off x="638175" y="0"/>
-            <a:ext cx="10515600" cy="4351338"/>
-          </a:xfrm>
-        </p:spPr>
+          <p:cNvPr id="2" name="Title 1">
+            <a:extLst>
+              <a:ext uri="{FF2B5EF4-FFF2-40B4-BE49-F238E27FC236}">
+                <a16:creationId xmlns:a16="http://schemas.microsoft.com/office/drawing/2014/main" id="{2B04BAA7-8EB6-3ABD-88F4-53094B7E029B}"/>
+              </a:ext>
+            </a:extLst>
+          </p:cNvPr>
+          <p:cNvSpPr>
+            <a:spLocks noGrp="1"/>
+          </p:cNvSpPr>
+          <p:nvPr>
+            <p:ph type="title"/>
+          </p:nvPr>
+        </p:nvSpPr>
+        <p:spPr/>
         <p:txBody>
           <a:bodyPr/>
           <a:lstStyle/>
           <a:p>
             <a:r>
               <a:rPr lang="en-AU" dirty="0"/>
-              <a:t>No valid command line option given</a:t>
-            </a:r>
-          </a:p>
-        </p:txBody>
-      </p:sp>
-      <p:pic>
-        <p:nvPicPr>
-          <p:cNvPr id="5" name="Picture 4">
-            <a:extLst>
-              <a:ext uri="{FF2B5EF4-FFF2-40B4-BE49-F238E27FC236}">
-                <a16:creationId xmlns:a16="http://schemas.microsoft.com/office/drawing/2014/main" id="{FC5792D0-BBD4-B938-FDF4-6C16E03DDC91}"/>
-              </a:ext>
-            </a:extLst>
-          </p:cNvPr>
-          <p:cNvPicPr>
-            <a:picLocks noChangeAspect="1"/>
-          </p:cNvPicPr>
-          <p:nvPr/>
-        </p:nvPicPr>
-        <p:blipFill>
-          <a:blip r:embed="rId2"/>
-          <a:stretch>
-            <a:fillRect/>
-          </a:stretch>
-        </p:blipFill>
-        <p:spPr>
-          <a:xfrm>
-            <a:off x="0" y="2223294"/>
-            <a:ext cx="12192000" cy="1071353"/>
-          </a:xfrm>
-          <a:prstGeom prst="rect">
-            <a:avLst/>
-          </a:prstGeom>
-        </p:spPr>
-      </p:pic>
+              <a:t>Testing</a:t>
+            </a:r>
+          </a:p>
+        </p:txBody>
+      </p:sp>
     </p:spTree>
     <p:extLst>
       <p:ext uri="{BB962C8B-B14F-4D97-AF65-F5344CB8AC3E}">
-        <p14:creationId xmlns:p14="http://schemas.microsoft.com/office/powerpoint/2010/main" val="3636675518"/>
+        <p14:creationId xmlns:p14="http://schemas.microsoft.com/office/powerpoint/2010/main" val="2189636707"/>
       </p:ext>
     </p:extLst>
   </p:cSld>
